--- a/开发手册/aggrid/善管ag-grid使用手册.pptx
+++ b/开发手册/aggrid/善管ag-grid使用手册.pptx
@@ -1,48 +1,50 @@
 
 <file path=ppt/presentation.xml><?xml version="1.0" encoding="utf-8"?>
-<p:presentation xmlns:a="http://schemas.openxmlformats.org/drawingml/2006/main" xmlns:r="http://schemas.openxmlformats.org/officeDocument/2006/relationships" xmlns:p="http://schemas.openxmlformats.org/presentationml/2006/main" saveSubsetFonts="1">
+<p:presentation xmlns:a="http://schemas.openxmlformats.org/drawingml/2006/main" xmlns:r="http://schemas.openxmlformats.org/officeDocument/2006/relationships" xmlns:p="http://schemas.openxmlformats.org/presentationml/2006/main">
   <p:sldMasterIdLst>
-    <p:sldMasterId id="2147483732" r:id="rId1"/>
+    <p:sldMasterId id="2147483648" r:id="rId1"/>
   </p:sldMasterIdLst>
   <p:sldIdLst>
-    <p:sldId id="256" r:id="rId2"/>
-    <p:sldId id="257" r:id="rId3"/>
-    <p:sldId id="258" r:id="rId4"/>
-    <p:sldId id="259" r:id="rId5"/>
-    <p:sldId id="260" r:id="rId6"/>
-    <p:sldId id="261" r:id="rId7"/>
-    <p:sldId id="262" r:id="rId8"/>
-    <p:sldId id="263" r:id="rId9"/>
-    <p:sldId id="264" r:id="rId10"/>
-    <p:sldId id="265" r:id="rId11"/>
-    <p:sldId id="266" r:id="rId12"/>
-    <p:sldId id="267" r:id="rId13"/>
-    <p:sldId id="268" r:id="rId14"/>
-    <p:sldId id="269" r:id="rId15"/>
-    <p:sldId id="270" r:id="rId16"/>
-    <p:sldId id="271" r:id="rId17"/>
-    <p:sldId id="272" r:id="rId18"/>
-    <p:sldId id="273" r:id="rId19"/>
-    <p:sldId id="274" r:id="rId20"/>
-    <p:sldId id="286" r:id="rId21"/>
-    <p:sldId id="275" r:id="rId22"/>
-    <p:sldId id="276" r:id="rId23"/>
-    <p:sldId id="277" r:id="rId24"/>
-    <p:sldId id="278" r:id="rId25"/>
-    <p:sldId id="279" r:id="rId26"/>
-    <p:sldId id="280" r:id="rId27"/>
-    <p:sldId id="281" r:id="rId28"/>
-    <p:sldId id="282" r:id="rId29"/>
-    <p:sldId id="283" r:id="rId30"/>
-    <p:sldId id="284" r:id="rId31"/>
-    <p:sldId id="285" r:id="rId32"/>
-    <p:sldId id="287" r:id="rId33"/>
-    <p:sldId id="288" r:id="rId34"/>
-    <p:sldId id="289" r:id="rId35"/>
-    <p:sldId id="290" r:id="rId36"/>
-    <p:sldId id="291" r:id="rId37"/>
-    <p:sldId id="292" r:id="rId38"/>
-    <p:sldId id="293" r:id="rId39"/>
+    <p:sldId id="256" r:id="rId3"/>
+    <p:sldId id="257" r:id="rId4"/>
+    <p:sldId id="258" r:id="rId5"/>
+    <p:sldId id="259" r:id="rId6"/>
+    <p:sldId id="260" r:id="rId7"/>
+    <p:sldId id="261" r:id="rId8"/>
+    <p:sldId id="262" r:id="rId9"/>
+    <p:sldId id="263" r:id="rId10"/>
+    <p:sldId id="264" r:id="rId11"/>
+    <p:sldId id="265" r:id="rId12"/>
+    <p:sldId id="266" r:id="rId13"/>
+    <p:sldId id="267" r:id="rId14"/>
+    <p:sldId id="268" r:id="rId15"/>
+    <p:sldId id="269" r:id="rId16"/>
+    <p:sldId id="270" r:id="rId17"/>
+    <p:sldId id="306" r:id="rId18"/>
+    <p:sldId id="305" r:id="rId19"/>
+    <p:sldId id="271" r:id="rId20"/>
+    <p:sldId id="272" r:id="rId21"/>
+    <p:sldId id="273" r:id="rId22"/>
+    <p:sldId id="274" r:id="rId23"/>
+    <p:sldId id="286" r:id="rId24"/>
+    <p:sldId id="275" r:id="rId25"/>
+    <p:sldId id="276" r:id="rId26"/>
+    <p:sldId id="277" r:id="rId27"/>
+    <p:sldId id="278" r:id="rId28"/>
+    <p:sldId id="279" r:id="rId29"/>
+    <p:sldId id="280" r:id="rId30"/>
+    <p:sldId id="281" r:id="rId31"/>
+    <p:sldId id="282" r:id="rId32"/>
+    <p:sldId id="283" r:id="rId33"/>
+    <p:sldId id="284" r:id="rId34"/>
+    <p:sldId id="285" r:id="rId35"/>
+    <p:sldId id="287" r:id="rId36"/>
+    <p:sldId id="288" r:id="rId37"/>
+    <p:sldId id="289" r:id="rId38"/>
+    <p:sldId id="290" r:id="rId39"/>
+    <p:sldId id="291" r:id="rId40"/>
+    <p:sldId id="292" r:id="rId41"/>
+    <p:sldId id="293" r:id="rId42"/>
   </p:sldIdLst>
   <p:sldSz cx="9144000" cy="6858000" type="screen4x3"/>
   <p:notesSz cx="6858000" cy="9144000"/>
@@ -145,7 +147,7 @@
 </file>
 
 <file path=ppt/slideLayouts/slideLayout1.xml><?xml version="1.0" encoding="utf-8"?>
-<p:sldLayout xmlns:a="http://schemas.openxmlformats.org/drawingml/2006/main" xmlns:r="http://schemas.openxmlformats.org/officeDocument/2006/relationships" xmlns:p="http://schemas.openxmlformats.org/presentationml/2006/main" showMasterSp="0" type="title" preserve="1">
+<p:sldLayout xmlns:a="http://schemas.openxmlformats.org/drawingml/2006/main" xmlns:r="http://schemas.openxmlformats.org/officeDocument/2006/relationships" xmlns:p="http://schemas.openxmlformats.org/presentationml/2006/main" type="title" preserve="1" showMasterSp="0">
   <p:cSld name="标题幻灯片">
     <p:spTree>
       <p:nvGrpSpPr>
@@ -224,9 +226,7 @@
         </p:style>
         <p:txBody>
           <a:bodyPr anchor="ctr"/>
-          <a:lstStyle>
-            <a:extLst/>
-          </a:lstStyle>
+          <a:lstStyle/>
           <a:p>
             <a:pPr algn="ctr" eaLnBrk="1" latinLnBrk="0" hangingPunct="1"/>
             <a:endParaRPr kumimoji="0" lang="en-US"/>
@@ -275,7 +275,6 @@
                 </a:effectLst>
               </a:defRPr>
             </a:lvl1pPr>
-            <a:extLst/>
           </a:lstStyle>
           <a:p>
             <a:r>
@@ -305,7 +304,7 @@
         <p:txBody>
           <a:bodyPr lIns="45720" rIns="45720"/>
           <a:lstStyle>
-            <a:lvl1pPr marL="0" marR="64008" indent="0" algn="r">
+            <a:lvl1pPr marL="0" marR="64135" indent="0" algn="r">
               <a:buNone/>
               <a:defRPr>
                 <a:solidFill>
@@ -337,7 +336,6 @@
             <a:lvl9pPr marL="3657600" indent="0" algn="ctr">
               <a:buNone/>
             </a:lvl9pPr>
-            <a:extLst/>
           </a:lstStyle>
           <a:p>
             <a:r>
@@ -365,9 +363,7 @@
         <p:sp>
           <p:nvSpPr>
             <p:cNvPr id="7" name="任意多边形 6"/>
-            <p:cNvSpPr>
-              <a:spLocks/>
-            </p:cNvSpPr>
+            <p:cNvSpPr/>
             <p:nvPr/>
           </p:nvSpPr>
           <p:spPr bwMode="auto">
@@ -439,9 +435,7 @@
           </p:spPr>
           <p:txBody>
             <a:bodyPr vert="horz" wrap="square" lIns="91440" tIns="45720" rIns="91440" bIns="45720" anchor="t" compatLnSpc="1"/>
-            <a:lstStyle>
-              <a:extLst/>
-            </a:lstStyle>
+            <a:lstStyle/>
             <a:p>
               <a:endParaRPr kumimoji="0" lang="en-US"/>
             </a:p>
@@ -450,9 +444,7 @@
         <p:sp>
           <p:nvSpPr>
             <p:cNvPr id="8" name="任意多边形 7"/>
-            <p:cNvSpPr>
-              <a:spLocks/>
-            </p:cNvSpPr>
+            <p:cNvSpPr/>
             <p:nvPr/>
           </p:nvSpPr>
           <p:spPr bwMode="auto">
@@ -521,9 +513,7 @@
           </p:spPr>
           <p:txBody>
             <a:bodyPr vert="horz" wrap="square" lIns="91440" tIns="45720" rIns="91440" bIns="45720" anchor="t" compatLnSpc="1"/>
-            <a:lstStyle>
-              <a:extLst/>
-            </a:lstStyle>
+            <a:lstStyle/>
             <a:p>
               <a:endParaRPr kumimoji="0" lang="en-US"/>
             </a:p>
@@ -532,9 +522,7 @@
         <p:sp>
           <p:nvSpPr>
             <p:cNvPr id="11" name="任意多边形 10"/>
-            <p:cNvSpPr>
-              <a:spLocks/>
-            </p:cNvSpPr>
+            <p:cNvSpPr/>
             <p:nvPr/>
           </p:nvSpPr>
           <p:spPr bwMode="auto">
@@ -680,9 +668,7 @@
           </p:style>
           <p:txBody>
             <a:bodyPr vert="horz" wrap="square" lIns="91440" tIns="45720" rIns="91440" bIns="45720" anchor="ctr" compatLnSpc="1"/>
-            <a:lstStyle>
-              <a:extLst/>
-            </a:lstStyle>
+            <a:lstStyle/>
             <a:p>
               <a:pPr algn="ctr" eaLnBrk="1" latinLnBrk="0" hangingPunct="1"/>
               <a:endParaRPr kumimoji="0" lang="en-US"/>
@@ -764,13 +750,10 @@
                 </a:solidFill>
               </a:defRPr>
             </a:lvl1pPr>
-            <a:extLst/>
           </a:lstStyle>
           <a:p>
             <a:fld id="{08191576-95FC-4755-8AC5-8C5FE077D138}" type="datetimeFigureOut">
               <a:rPr lang="zh-CN" altLang="en-US" smtClean="0"/>
-              <a:pPr/>
-              <a:t>2019/8/27</a:t>
             </a:fld>
             <a:endParaRPr lang="zh-CN" altLang="en-US"/>
           </a:p>
@@ -799,7 +782,6 @@
                 </a:solidFill>
               </a:defRPr>
             </a:lvl1pPr>
-            <a:extLst/>
           </a:lstStyle>
           <a:p>
             <a:endParaRPr lang="zh-CN" altLang="en-US"/>
@@ -827,13 +809,10 @@
                 </a:solidFill>
               </a:defRPr>
             </a:lvl1pPr>
-            <a:extLst/>
           </a:lstStyle>
           <a:p>
             <a:fld id="{4050FB6B-0E44-4FE8-98F3-53172ACB8023}" type="slidenum">
               <a:rPr lang="zh-CN" altLang="en-US" smtClean="0"/>
-              <a:pPr/>
-              <a:t>‹#›</a:t>
             </a:fld>
             <a:endParaRPr lang="zh-CN" altLang="en-US"/>
           </a:p>
@@ -877,9 +856,7 @@
         <p:spPr/>
         <p:txBody>
           <a:bodyPr/>
-          <a:lstStyle>
-            <a:extLst/>
-          </a:lstStyle>
+          <a:lstStyle/>
           <a:p>
             <a:r>
               <a:rPr kumimoji="0" lang="zh-CN" altLang="en-US" smtClean="0"/>
@@ -907,15 +884,14 @@
         </p:spPr>
         <p:txBody>
           <a:bodyPr vert="eaVert"/>
-          <a:lstStyle>
-            <a:extLst/>
-          </a:lstStyle>
+          <a:lstStyle/>
           <a:p>
             <a:pPr lvl="0" eaLnBrk="1" latinLnBrk="0" hangingPunct="1"/>
             <a:r>
               <a:rPr lang="zh-CN" altLang="en-US" smtClean="0"/>
               <a:t>单击此处编辑母版文本样式</a:t>
             </a:r>
+            <a:endParaRPr lang="zh-CN" altLang="en-US" smtClean="0"/>
           </a:p>
           <a:p>
             <a:pPr lvl="1" eaLnBrk="1" latinLnBrk="0" hangingPunct="1"/>
@@ -923,6 +899,7 @@
               <a:rPr lang="zh-CN" altLang="en-US" smtClean="0"/>
               <a:t>第二级</a:t>
             </a:r>
+            <a:endParaRPr lang="zh-CN" altLang="en-US" smtClean="0"/>
           </a:p>
           <a:p>
             <a:pPr lvl="2" eaLnBrk="1" latinLnBrk="0" hangingPunct="1"/>
@@ -930,6 +907,7 @@
               <a:rPr lang="zh-CN" altLang="en-US" smtClean="0"/>
               <a:t>第三级</a:t>
             </a:r>
+            <a:endParaRPr lang="zh-CN" altLang="en-US" smtClean="0"/>
           </a:p>
           <a:p>
             <a:pPr lvl="3" eaLnBrk="1" latinLnBrk="0" hangingPunct="1"/>
@@ -937,6 +915,7 @@
               <a:rPr lang="zh-CN" altLang="en-US" smtClean="0"/>
               <a:t>第四级</a:t>
             </a:r>
+            <a:endParaRPr lang="zh-CN" altLang="en-US" smtClean="0"/>
           </a:p>
           <a:p>
             <a:pPr lvl="4" eaLnBrk="1" latinLnBrk="0" hangingPunct="1"/>
@@ -961,14 +940,10 @@
         <p:spPr/>
         <p:txBody>
           <a:bodyPr/>
-          <a:lstStyle>
-            <a:extLst/>
-          </a:lstStyle>
+          <a:lstStyle/>
           <a:p>
             <a:fld id="{08191576-95FC-4755-8AC5-8C5FE077D138}" type="datetimeFigureOut">
               <a:rPr lang="zh-CN" altLang="en-US" smtClean="0"/>
-              <a:pPr/>
-              <a:t>2019/8/27</a:t>
             </a:fld>
             <a:endParaRPr lang="zh-CN" altLang="en-US"/>
           </a:p>
@@ -987,9 +962,7 @@
         <p:spPr/>
         <p:txBody>
           <a:bodyPr/>
-          <a:lstStyle>
-            <a:extLst/>
-          </a:lstStyle>
+          <a:lstStyle/>
           <a:p>
             <a:endParaRPr lang="zh-CN" altLang="en-US"/>
           </a:p>
@@ -1008,14 +981,10 @@
         <p:spPr/>
         <p:txBody>
           <a:bodyPr/>
-          <a:lstStyle>
-            <a:extLst/>
-          </a:lstStyle>
+          <a:lstStyle/>
           <a:p>
             <a:fld id="{4050FB6B-0E44-4FE8-98F3-53172ACB8023}" type="slidenum">
               <a:rPr lang="zh-CN" altLang="en-US" smtClean="0"/>
-              <a:pPr/>
-              <a:t>‹#›</a:t>
             </a:fld>
             <a:endParaRPr lang="zh-CN" altLang="en-US"/>
           </a:p>
@@ -1064,9 +1033,7 @@
         </p:spPr>
         <p:txBody>
           <a:bodyPr vert="eaVert"/>
-          <a:lstStyle>
-            <a:extLst/>
-          </a:lstStyle>
+          <a:lstStyle/>
           <a:p>
             <a:r>
               <a:rPr kumimoji="0" lang="zh-CN" altLang="en-US" smtClean="0"/>
@@ -1094,15 +1061,14 @@
         </p:spPr>
         <p:txBody>
           <a:bodyPr vert="eaVert"/>
-          <a:lstStyle>
-            <a:extLst/>
-          </a:lstStyle>
+          <a:lstStyle/>
           <a:p>
             <a:pPr lvl="0" eaLnBrk="1" latinLnBrk="0" hangingPunct="1"/>
             <a:r>
               <a:rPr lang="zh-CN" altLang="en-US" smtClean="0"/>
               <a:t>单击此处编辑母版文本样式</a:t>
             </a:r>
+            <a:endParaRPr lang="zh-CN" altLang="en-US" smtClean="0"/>
           </a:p>
           <a:p>
             <a:pPr lvl="1" eaLnBrk="1" latinLnBrk="0" hangingPunct="1"/>
@@ -1110,6 +1076,7 @@
               <a:rPr lang="zh-CN" altLang="en-US" smtClean="0"/>
               <a:t>第二级</a:t>
             </a:r>
+            <a:endParaRPr lang="zh-CN" altLang="en-US" smtClean="0"/>
           </a:p>
           <a:p>
             <a:pPr lvl="2" eaLnBrk="1" latinLnBrk="0" hangingPunct="1"/>
@@ -1117,6 +1084,7 @@
               <a:rPr lang="zh-CN" altLang="en-US" smtClean="0"/>
               <a:t>第三级</a:t>
             </a:r>
+            <a:endParaRPr lang="zh-CN" altLang="en-US" smtClean="0"/>
           </a:p>
           <a:p>
             <a:pPr lvl="3" eaLnBrk="1" latinLnBrk="0" hangingPunct="1"/>
@@ -1124,6 +1092,7 @@
               <a:rPr lang="zh-CN" altLang="en-US" smtClean="0"/>
               <a:t>第四级</a:t>
             </a:r>
+            <a:endParaRPr lang="zh-CN" altLang="en-US" smtClean="0"/>
           </a:p>
           <a:p>
             <a:pPr lvl="4" eaLnBrk="1" latinLnBrk="0" hangingPunct="1"/>
@@ -1148,14 +1117,10 @@
         <p:spPr/>
         <p:txBody>
           <a:bodyPr/>
-          <a:lstStyle>
-            <a:extLst/>
-          </a:lstStyle>
+          <a:lstStyle/>
           <a:p>
             <a:fld id="{08191576-95FC-4755-8AC5-8C5FE077D138}" type="datetimeFigureOut">
               <a:rPr lang="zh-CN" altLang="en-US" smtClean="0"/>
-              <a:pPr/>
-              <a:t>2019/8/27</a:t>
             </a:fld>
             <a:endParaRPr lang="zh-CN" altLang="en-US"/>
           </a:p>
@@ -1174,9 +1139,7 @@
         <p:spPr/>
         <p:txBody>
           <a:bodyPr/>
-          <a:lstStyle>
-            <a:extLst/>
-          </a:lstStyle>
+          <a:lstStyle/>
           <a:p>
             <a:endParaRPr lang="zh-CN" altLang="en-US"/>
           </a:p>
@@ -1195,14 +1158,10 @@
         <p:spPr/>
         <p:txBody>
           <a:bodyPr/>
-          <a:lstStyle>
-            <a:extLst/>
-          </a:lstStyle>
+          <a:lstStyle/>
           <a:p>
             <a:fld id="{4050FB6B-0E44-4FE8-98F3-53172ACB8023}" type="slidenum">
               <a:rPr lang="zh-CN" altLang="en-US" smtClean="0"/>
-              <a:pPr/>
-              <a:t>‹#›</a:t>
             </a:fld>
             <a:endParaRPr lang="zh-CN" altLang="en-US"/>
           </a:p>
@@ -1246,15 +1205,14 @@
         <p:spPr/>
         <p:txBody>
           <a:bodyPr/>
-          <a:lstStyle>
-            <a:extLst/>
-          </a:lstStyle>
+          <a:lstStyle/>
           <a:p>
             <a:pPr lvl="0" eaLnBrk="1" latinLnBrk="0" hangingPunct="1"/>
             <a:r>
               <a:rPr lang="zh-CN" altLang="en-US" smtClean="0"/>
               <a:t>单击此处编辑母版文本样式</a:t>
             </a:r>
+            <a:endParaRPr lang="zh-CN" altLang="en-US" smtClean="0"/>
           </a:p>
           <a:p>
             <a:pPr lvl="1" eaLnBrk="1" latinLnBrk="0" hangingPunct="1"/>
@@ -1262,6 +1220,7 @@
               <a:rPr lang="zh-CN" altLang="en-US" smtClean="0"/>
               <a:t>第二级</a:t>
             </a:r>
+            <a:endParaRPr lang="zh-CN" altLang="en-US" smtClean="0"/>
           </a:p>
           <a:p>
             <a:pPr lvl="2" eaLnBrk="1" latinLnBrk="0" hangingPunct="1"/>
@@ -1269,6 +1228,7 @@
               <a:rPr lang="zh-CN" altLang="en-US" smtClean="0"/>
               <a:t>第三级</a:t>
             </a:r>
+            <a:endParaRPr lang="zh-CN" altLang="en-US" smtClean="0"/>
           </a:p>
           <a:p>
             <a:pPr lvl="3" eaLnBrk="1" latinLnBrk="0" hangingPunct="1"/>
@@ -1276,6 +1236,7 @@
               <a:rPr lang="zh-CN" altLang="en-US" smtClean="0"/>
               <a:t>第四级</a:t>
             </a:r>
+            <a:endParaRPr lang="zh-CN" altLang="en-US" smtClean="0"/>
           </a:p>
           <a:p>
             <a:pPr lvl="4" eaLnBrk="1" latinLnBrk="0" hangingPunct="1"/>
@@ -1300,14 +1261,10 @@
         <p:spPr/>
         <p:txBody>
           <a:bodyPr/>
-          <a:lstStyle>
-            <a:extLst/>
-          </a:lstStyle>
+          <a:lstStyle/>
           <a:p>
             <a:fld id="{08191576-95FC-4755-8AC5-8C5FE077D138}" type="datetimeFigureOut">
               <a:rPr lang="zh-CN" altLang="en-US" smtClean="0"/>
-              <a:pPr/>
-              <a:t>2019/8/27</a:t>
             </a:fld>
             <a:endParaRPr lang="zh-CN" altLang="en-US"/>
           </a:p>
@@ -1326,9 +1283,7 @@
         <p:spPr/>
         <p:txBody>
           <a:bodyPr/>
-          <a:lstStyle>
-            <a:extLst/>
-          </a:lstStyle>
+          <a:lstStyle/>
           <a:p>
             <a:endParaRPr lang="zh-CN" altLang="en-US"/>
           </a:p>
@@ -1347,14 +1302,10 @@
         <p:spPr/>
         <p:txBody>
           <a:bodyPr/>
-          <a:lstStyle>
-            <a:extLst/>
-          </a:lstStyle>
+          <a:lstStyle/>
           <a:p>
             <a:fld id="{4050FB6B-0E44-4FE8-98F3-53172ACB8023}" type="slidenum">
               <a:rPr lang="zh-CN" altLang="en-US" smtClean="0"/>
-              <a:pPr/>
-              <a:t>‹#›</a:t>
             </a:fld>
             <a:endParaRPr lang="zh-CN" altLang="en-US"/>
           </a:p>
@@ -1373,9 +1324,7 @@
         <p:spPr/>
         <p:txBody>
           <a:bodyPr rtlCol="0"/>
-          <a:lstStyle>
-            <a:extLst/>
-          </a:lstStyle>
+          <a:lstStyle/>
           <a:p>
             <a:r>
               <a:rPr kumimoji="0" lang="zh-CN" altLang="en-US" smtClean="0"/>
@@ -1455,7 +1404,6 @@
                 </a:effectLst>
               </a:defRPr>
             </a:lvl1pPr>
-            <a:extLst/>
           </a:lstStyle>
           <a:p>
             <a:r>
@@ -1533,7 +1481,6 @@
                 </a:solidFill>
               </a:defRPr>
             </a:lvl5pPr>
-            <a:extLst/>
           </a:lstStyle>
           <a:p>
             <a:pPr lvl="0" eaLnBrk="1" latinLnBrk="0" hangingPunct="1"/>
@@ -1541,6 +1488,7 @@
               <a:rPr kumimoji="0" lang="zh-CN" altLang="en-US" smtClean="0"/>
               <a:t>单击此处编辑母版文本样式</a:t>
             </a:r>
+            <a:endParaRPr kumimoji="0" lang="zh-CN" altLang="en-US" smtClean="0"/>
           </a:p>
         </p:txBody>
       </p:sp>
@@ -1557,14 +1505,10 @@
         <p:spPr/>
         <p:txBody>
           <a:bodyPr/>
-          <a:lstStyle>
-            <a:extLst/>
-          </a:lstStyle>
+          <a:lstStyle/>
           <a:p>
             <a:fld id="{08191576-95FC-4755-8AC5-8C5FE077D138}" type="datetimeFigureOut">
               <a:rPr lang="zh-CN" altLang="en-US" smtClean="0"/>
-              <a:pPr/>
-              <a:t>2019/8/27</a:t>
             </a:fld>
             <a:endParaRPr lang="zh-CN" altLang="en-US"/>
           </a:p>
@@ -1583,9 +1527,7 @@
         <p:spPr/>
         <p:txBody>
           <a:bodyPr/>
-          <a:lstStyle>
-            <a:extLst/>
-          </a:lstStyle>
+          <a:lstStyle/>
           <a:p>
             <a:endParaRPr lang="zh-CN" altLang="en-US"/>
           </a:p>
@@ -1604,14 +1546,10 @@
         <p:spPr/>
         <p:txBody>
           <a:bodyPr/>
-          <a:lstStyle>
-            <a:extLst/>
-          </a:lstStyle>
+          <a:lstStyle/>
           <a:p>
             <a:fld id="{4050FB6B-0E44-4FE8-98F3-53172ACB8023}" type="slidenum">
               <a:rPr lang="zh-CN" altLang="en-US" smtClean="0"/>
-              <a:pPr/>
-              <a:t>‹#›</a:t>
             </a:fld>
             <a:endParaRPr lang="zh-CN" altLang="en-US"/>
           </a:p>
@@ -1688,9 +1626,7 @@
         </p:style>
         <p:txBody>
           <a:bodyPr anchor="ctr"/>
-          <a:lstStyle>
-            <a:extLst/>
-          </a:lstStyle>
+          <a:lstStyle/>
           <a:p>
             <a:pPr algn="l" eaLnBrk="1" latinLnBrk="0" hangingPunct="1"/>
             <a:endParaRPr kumimoji="0" lang="en-US"/>
@@ -1768,9 +1704,7 @@
         </p:style>
         <p:txBody>
           <a:bodyPr anchor="ctr"/>
-          <a:lstStyle>
-            <a:extLst/>
-          </a:lstStyle>
+          <a:lstStyle/>
           <a:p>
             <a:pPr algn="l" eaLnBrk="1" latinLnBrk="0" hangingPunct="1"/>
             <a:endParaRPr kumimoji="0" lang="en-US"/>
@@ -1841,7 +1775,6 @@
             <a:lvl5pPr>
               <a:defRPr sz="1800"/>
             </a:lvl5pPr>
-            <a:extLst/>
           </a:lstStyle>
           <a:p>
             <a:pPr lvl="0" eaLnBrk="1" latinLnBrk="0" hangingPunct="1"/>
@@ -1849,6 +1782,7 @@
               <a:rPr lang="zh-CN" altLang="en-US" smtClean="0"/>
               <a:t>单击此处编辑母版文本样式</a:t>
             </a:r>
+            <a:endParaRPr lang="zh-CN" altLang="en-US" smtClean="0"/>
           </a:p>
           <a:p>
             <a:pPr lvl="1" eaLnBrk="1" latinLnBrk="0" hangingPunct="1"/>
@@ -1856,6 +1790,7 @@
               <a:rPr lang="zh-CN" altLang="en-US" smtClean="0"/>
               <a:t>第二级</a:t>
             </a:r>
+            <a:endParaRPr lang="zh-CN" altLang="en-US" smtClean="0"/>
           </a:p>
           <a:p>
             <a:pPr lvl="2" eaLnBrk="1" latinLnBrk="0" hangingPunct="1"/>
@@ -1863,6 +1798,7 @@
               <a:rPr lang="zh-CN" altLang="en-US" smtClean="0"/>
               <a:t>第三级</a:t>
             </a:r>
+            <a:endParaRPr lang="zh-CN" altLang="en-US" smtClean="0"/>
           </a:p>
           <a:p>
             <a:pPr lvl="3" eaLnBrk="1" latinLnBrk="0" hangingPunct="1"/>
@@ -1870,6 +1806,7 @@
               <a:rPr lang="zh-CN" altLang="en-US" smtClean="0"/>
               <a:t>第四级</a:t>
             </a:r>
+            <a:endParaRPr lang="zh-CN" altLang="en-US" smtClean="0"/>
           </a:p>
           <a:p>
             <a:pPr lvl="4" eaLnBrk="1" latinLnBrk="0" hangingPunct="1"/>
@@ -1915,7 +1852,6 @@
             <a:lvl5pPr>
               <a:defRPr sz="1800"/>
             </a:lvl5pPr>
-            <a:extLst/>
           </a:lstStyle>
           <a:p>
             <a:pPr lvl="0" eaLnBrk="1" latinLnBrk="0" hangingPunct="1"/>
@@ -1923,6 +1859,7 @@
               <a:rPr lang="zh-CN" altLang="en-US" smtClean="0"/>
               <a:t>单击此处编辑母版文本样式</a:t>
             </a:r>
+            <a:endParaRPr lang="zh-CN" altLang="en-US" smtClean="0"/>
           </a:p>
           <a:p>
             <a:pPr lvl="1" eaLnBrk="1" latinLnBrk="0" hangingPunct="1"/>
@@ -1930,6 +1867,7 @@
               <a:rPr lang="zh-CN" altLang="en-US" smtClean="0"/>
               <a:t>第二级</a:t>
             </a:r>
+            <a:endParaRPr lang="zh-CN" altLang="en-US" smtClean="0"/>
           </a:p>
           <a:p>
             <a:pPr lvl="2" eaLnBrk="1" latinLnBrk="0" hangingPunct="1"/>
@@ -1937,6 +1875,7 @@
               <a:rPr lang="zh-CN" altLang="en-US" smtClean="0"/>
               <a:t>第三级</a:t>
             </a:r>
+            <a:endParaRPr lang="zh-CN" altLang="en-US" smtClean="0"/>
           </a:p>
           <a:p>
             <a:pPr lvl="3" eaLnBrk="1" latinLnBrk="0" hangingPunct="1"/>
@@ -1944,6 +1883,7 @@
               <a:rPr lang="zh-CN" altLang="en-US" smtClean="0"/>
               <a:t>第四级</a:t>
             </a:r>
+            <a:endParaRPr lang="zh-CN" altLang="en-US" smtClean="0"/>
           </a:p>
           <a:p>
             <a:pPr lvl="4" eaLnBrk="1" latinLnBrk="0" hangingPunct="1"/>
@@ -1968,14 +1908,10 @@
         <p:spPr/>
         <p:txBody>
           <a:bodyPr/>
-          <a:lstStyle>
-            <a:extLst/>
-          </a:lstStyle>
+          <a:lstStyle/>
           <a:p>
             <a:fld id="{08191576-95FC-4755-8AC5-8C5FE077D138}" type="datetimeFigureOut">
               <a:rPr lang="zh-CN" altLang="en-US" smtClean="0"/>
-              <a:pPr/>
-              <a:t>2019/8/27</a:t>
             </a:fld>
             <a:endParaRPr lang="zh-CN" altLang="en-US"/>
           </a:p>
@@ -1994,9 +1930,7 @@
         <p:spPr/>
         <p:txBody>
           <a:bodyPr/>
-          <a:lstStyle>
-            <a:extLst/>
-          </a:lstStyle>
+          <a:lstStyle/>
           <a:p>
             <a:endParaRPr lang="zh-CN" altLang="en-US"/>
           </a:p>
@@ -2015,14 +1949,10 @@
         <p:spPr/>
         <p:txBody>
           <a:bodyPr/>
-          <a:lstStyle>
-            <a:extLst/>
-          </a:lstStyle>
+          <a:lstStyle/>
           <a:p>
             <a:fld id="{4050FB6B-0E44-4FE8-98F3-53172ACB8023}" type="slidenum">
               <a:rPr lang="zh-CN" altLang="en-US" smtClean="0"/>
-              <a:pPr/>
-              <a:t>‹#›</a:t>
             </a:fld>
             <a:endParaRPr lang="zh-CN" altLang="en-US"/>
           </a:p>
@@ -2041,9 +1971,7 @@
         <p:spPr/>
         <p:txBody>
           <a:bodyPr rtlCol="0"/>
-          <a:lstStyle>
-            <a:extLst/>
-          </a:lstStyle>
+          <a:lstStyle/>
           <a:p>
             <a:r>
               <a:rPr kumimoji="0" lang="zh-CN" altLang="en-US" smtClean="0"/>
@@ -2062,7 +1990,7 @@
 </file>
 
 <file path=ppt/slideLayouts/slideLayout5.xml><?xml version="1.0" encoding="utf-8"?>
-<p:sldLayout xmlns:a="http://schemas.openxmlformats.org/drawingml/2006/main" xmlns:r="http://schemas.openxmlformats.org/officeDocument/2006/relationships" xmlns:p="http://schemas.openxmlformats.org/presentationml/2006/main" showMasterSp="0" type="twoTxTwoObj" preserve="1">
+<p:sldLayout xmlns:a="http://schemas.openxmlformats.org/drawingml/2006/main" xmlns:r="http://schemas.openxmlformats.org/officeDocument/2006/relationships" xmlns:p="http://schemas.openxmlformats.org/presentationml/2006/main" type="twoTxTwoObj" preserve="1" showMasterSp="0">
   <p:cSld name="比较">
     <p:bg>
       <p:bgRef idx="1003">
@@ -2105,7 +2033,6 @@
             <a:lvl1pPr>
               <a:defRPr/>
             </a:lvl1pPr>
-            <a:extLst/>
           </a:lstStyle>
           <a:p>
             <a:r>
@@ -2168,7 +2095,6 @@
               <a:buNone/>
               <a:defRPr sz="1600" b="1"/>
             </a:lvl5pPr>
-            <a:extLst/>
           </a:lstStyle>
           <a:p>
             <a:pPr lvl="0" eaLnBrk="1" latinLnBrk="0" hangingPunct="1"/>
@@ -2176,6 +2102,7 @@
               <a:rPr kumimoji="0" lang="zh-CN" altLang="en-US" smtClean="0"/>
               <a:t>单击此处编辑母版文本样式</a:t>
             </a:r>
+            <a:endParaRPr kumimoji="0" lang="zh-CN" altLang="en-US" smtClean="0"/>
           </a:p>
         </p:txBody>
       </p:sp>
@@ -2231,7 +2158,6 @@
               <a:buNone/>
               <a:defRPr sz="1600" b="1"/>
             </a:lvl5pPr>
-            <a:extLst/>
           </a:lstStyle>
           <a:p>
             <a:pPr lvl="0" eaLnBrk="1" latinLnBrk="0" hangingPunct="1"/>
@@ -2239,6 +2165,7 @@
               <a:rPr kumimoji="0" lang="zh-CN" altLang="en-US" smtClean="0"/>
               <a:t>单击此处编辑母版文本样式</a:t>
             </a:r>
+            <a:endParaRPr kumimoji="0" lang="zh-CN" altLang="en-US" smtClean="0"/>
           </a:p>
         </p:txBody>
       </p:sp>
@@ -2281,7 +2208,6 @@
             <a:lvl5pPr>
               <a:defRPr sz="1600"/>
             </a:lvl5pPr>
-            <a:extLst/>
           </a:lstStyle>
           <a:p>
             <a:pPr lvl="0" eaLnBrk="1" latinLnBrk="0" hangingPunct="1"/>
@@ -2289,6 +2215,7 @@
               <a:rPr lang="zh-CN" altLang="en-US" smtClean="0"/>
               <a:t>单击此处编辑母版文本样式</a:t>
             </a:r>
+            <a:endParaRPr lang="zh-CN" altLang="en-US" smtClean="0"/>
           </a:p>
           <a:p>
             <a:pPr lvl="1" eaLnBrk="1" latinLnBrk="0" hangingPunct="1"/>
@@ -2296,6 +2223,7 @@
               <a:rPr lang="zh-CN" altLang="en-US" smtClean="0"/>
               <a:t>第二级</a:t>
             </a:r>
+            <a:endParaRPr lang="zh-CN" altLang="en-US" smtClean="0"/>
           </a:p>
           <a:p>
             <a:pPr lvl="2" eaLnBrk="1" latinLnBrk="0" hangingPunct="1"/>
@@ -2303,6 +2231,7 @@
               <a:rPr lang="zh-CN" altLang="en-US" smtClean="0"/>
               <a:t>第三级</a:t>
             </a:r>
+            <a:endParaRPr lang="zh-CN" altLang="en-US" smtClean="0"/>
           </a:p>
           <a:p>
             <a:pPr lvl="3" eaLnBrk="1" latinLnBrk="0" hangingPunct="1"/>
@@ -2310,6 +2239,7 @@
               <a:rPr lang="zh-CN" altLang="en-US" smtClean="0"/>
               <a:t>第四级</a:t>
             </a:r>
+            <a:endParaRPr lang="zh-CN" altLang="en-US" smtClean="0"/>
           </a:p>
           <a:p>
             <a:pPr lvl="4" eaLnBrk="1" latinLnBrk="0" hangingPunct="1"/>
@@ -2363,7 +2293,6 @@
             <a:lvl5pPr>
               <a:defRPr sz="1600"/>
             </a:lvl5pPr>
-            <a:extLst/>
           </a:lstStyle>
           <a:p>
             <a:pPr lvl="0" eaLnBrk="1" latinLnBrk="0" hangingPunct="1"/>
@@ -2371,6 +2300,7 @@
               <a:rPr lang="zh-CN" altLang="en-US" smtClean="0"/>
               <a:t>单击此处编辑母版文本样式</a:t>
             </a:r>
+            <a:endParaRPr lang="zh-CN" altLang="en-US" smtClean="0"/>
           </a:p>
           <a:p>
             <a:pPr lvl="1" eaLnBrk="1" latinLnBrk="0" hangingPunct="1"/>
@@ -2378,6 +2308,7 @@
               <a:rPr lang="zh-CN" altLang="en-US" smtClean="0"/>
               <a:t>第二级</a:t>
             </a:r>
+            <a:endParaRPr lang="zh-CN" altLang="en-US" smtClean="0"/>
           </a:p>
           <a:p>
             <a:pPr lvl="2" eaLnBrk="1" latinLnBrk="0" hangingPunct="1"/>
@@ -2385,6 +2316,7 @@
               <a:rPr lang="zh-CN" altLang="en-US" smtClean="0"/>
               <a:t>第三级</a:t>
             </a:r>
+            <a:endParaRPr lang="zh-CN" altLang="en-US" smtClean="0"/>
           </a:p>
           <a:p>
             <a:pPr lvl="3" eaLnBrk="1" latinLnBrk="0" hangingPunct="1"/>
@@ -2392,6 +2324,7 @@
               <a:rPr lang="zh-CN" altLang="en-US" smtClean="0"/>
               <a:t>第四级</a:t>
             </a:r>
+            <a:endParaRPr lang="zh-CN" altLang="en-US" smtClean="0"/>
           </a:p>
           <a:p>
             <a:pPr lvl="4" eaLnBrk="1" latinLnBrk="0" hangingPunct="1"/>
@@ -2416,14 +2349,10 @@
         <p:spPr/>
         <p:txBody>
           <a:bodyPr/>
-          <a:lstStyle>
-            <a:extLst/>
-          </a:lstStyle>
+          <a:lstStyle/>
           <a:p>
             <a:fld id="{08191576-95FC-4755-8AC5-8C5FE077D138}" type="datetimeFigureOut">
               <a:rPr lang="zh-CN" altLang="en-US" smtClean="0"/>
-              <a:pPr/>
-              <a:t>2019/8/27</a:t>
             </a:fld>
             <a:endParaRPr lang="zh-CN" altLang="en-US"/>
           </a:p>
@@ -2442,9 +2371,7 @@
         <p:spPr/>
         <p:txBody>
           <a:bodyPr/>
-          <a:lstStyle>
-            <a:extLst/>
-          </a:lstStyle>
+          <a:lstStyle/>
           <a:p>
             <a:endParaRPr lang="zh-CN" altLang="en-US"/>
           </a:p>
@@ -2463,14 +2390,10 @@
         <p:spPr/>
         <p:txBody>
           <a:bodyPr/>
-          <a:lstStyle>
-            <a:extLst/>
-          </a:lstStyle>
+          <a:lstStyle/>
           <a:p>
             <a:fld id="{4050FB6B-0E44-4FE8-98F3-53172ACB8023}" type="slidenum">
               <a:rPr lang="zh-CN" altLang="en-US" smtClean="0"/>
-              <a:pPr/>
-              <a:t>‹#›</a:t>
             </a:fld>
             <a:endParaRPr lang="zh-CN" altLang="en-US"/>
           </a:p>
@@ -2519,14 +2442,10 @@
         <p:spPr/>
         <p:txBody>
           <a:bodyPr/>
-          <a:lstStyle>
-            <a:extLst/>
-          </a:lstStyle>
+          <a:lstStyle/>
           <a:p>
             <a:fld id="{08191576-95FC-4755-8AC5-8C5FE077D138}" type="datetimeFigureOut">
               <a:rPr lang="zh-CN" altLang="en-US" smtClean="0"/>
-              <a:pPr/>
-              <a:t>2019/8/27</a:t>
             </a:fld>
             <a:endParaRPr lang="zh-CN" altLang="en-US"/>
           </a:p>
@@ -2545,9 +2464,7 @@
         <p:spPr/>
         <p:txBody>
           <a:bodyPr/>
-          <a:lstStyle>
-            <a:extLst/>
-          </a:lstStyle>
+          <a:lstStyle/>
           <a:p>
             <a:endParaRPr lang="zh-CN" altLang="en-US"/>
           </a:p>
@@ -2566,14 +2483,10 @@
         <p:spPr/>
         <p:txBody>
           <a:bodyPr/>
-          <a:lstStyle>
-            <a:extLst/>
-          </a:lstStyle>
+          <a:lstStyle/>
           <a:p>
             <a:fld id="{4050FB6B-0E44-4FE8-98F3-53172ACB8023}" type="slidenum">
               <a:rPr lang="zh-CN" altLang="en-US" smtClean="0"/>
-              <a:pPr/>
-              <a:t>‹#›</a:t>
             </a:fld>
             <a:endParaRPr lang="zh-CN" altLang="en-US"/>
           </a:p>
@@ -2592,9 +2505,7 @@
         <p:spPr/>
         <p:txBody>
           <a:bodyPr rtlCol="0"/>
-          <a:lstStyle>
-            <a:extLst/>
-          </a:lstStyle>
+          <a:lstStyle/>
           <a:p>
             <a:r>
               <a:rPr kumimoji="0" lang="zh-CN" altLang="en-US" smtClean="0"/>
@@ -2642,14 +2553,10 @@
         <p:spPr/>
         <p:txBody>
           <a:bodyPr/>
-          <a:lstStyle>
-            <a:extLst/>
-          </a:lstStyle>
+          <a:lstStyle/>
           <a:p>
             <a:fld id="{08191576-95FC-4755-8AC5-8C5FE077D138}" type="datetimeFigureOut">
               <a:rPr lang="zh-CN" altLang="en-US" smtClean="0"/>
-              <a:pPr/>
-              <a:t>2019/8/27</a:t>
             </a:fld>
             <a:endParaRPr lang="zh-CN" altLang="en-US"/>
           </a:p>
@@ -2668,9 +2575,7 @@
         <p:spPr/>
         <p:txBody>
           <a:bodyPr/>
-          <a:lstStyle>
-            <a:extLst/>
-          </a:lstStyle>
+          <a:lstStyle/>
           <a:p>
             <a:endParaRPr lang="zh-CN" altLang="en-US"/>
           </a:p>
@@ -2689,14 +2594,10 @@
         <p:spPr/>
         <p:txBody>
           <a:bodyPr/>
-          <a:lstStyle>
-            <a:extLst/>
-          </a:lstStyle>
+          <a:lstStyle/>
           <a:p>
             <a:fld id="{4050FB6B-0E44-4FE8-98F3-53172ACB8023}" type="slidenum">
               <a:rPr lang="zh-CN" altLang="en-US" smtClean="0"/>
-              <a:pPr/>
-              <a:t>‹#›</a:t>
             </a:fld>
             <a:endParaRPr lang="zh-CN" altLang="en-US"/>
           </a:p>
@@ -2711,7 +2612,7 @@
 </file>
 
 <file path=ppt/slideLayouts/slideLayout8.xml><?xml version="1.0" encoding="utf-8"?>
-<p:sldLayout xmlns:a="http://schemas.openxmlformats.org/drawingml/2006/main" xmlns:r="http://schemas.openxmlformats.org/officeDocument/2006/relationships" xmlns:p="http://schemas.openxmlformats.org/presentationml/2006/main" showMasterSp="0" type="objTx" preserve="1">
+<p:sldLayout xmlns:a="http://schemas.openxmlformats.org/drawingml/2006/main" xmlns:r="http://schemas.openxmlformats.org/officeDocument/2006/relationships" xmlns:p="http://schemas.openxmlformats.org/presentationml/2006/main" type="objTx" preserve="1" showMasterSp="0">
   <p:cSld name="内容与标题">
     <p:bg>
       <p:bgRef idx="1003">
@@ -2765,7 +2666,6 @@
                 <a:effectLst/>
               </a:defRPr>
             </a:lvl1pPr>
-            <a:extLst/>
           </a:lstStyle>
           <a:p>
             <a:r>
@@ -2815,7 +2715,6 @@
               <a:buNone/>
               <a:defRPr sz="900"/>
             </a:lvl5pPr>
-            <a:extLst/>
           </a:lstStyle>
           <a:p>
             <a:pPr lvl="0" eaLnBrk="1" latinLnBrk="0" hangingPunct="1"/>
@@ -2823,6 +2722,7 @@
               <a:rPr kumimoji="0" lang="zh-CN" altLang="en-US" smtClean="0"/>
               <a:t>单击此处编辑母版文本样式</a:t>
             </a:r>
+            <a:endParaRPr kumimoji="0" lang="zh-CN" altLang="en-US" smtClean="0"/>
           </a:p>
         </p:txBody>
       </p:sp>
@@ -2860,7 +2760,6 @@
             <a:lvl5pPr>
               <a:defRPr sz="2000"/>
             </a:lvl5pPr>
-            <a:extLst/>
           </a:lstStyle>
           <a:p>
             <a:pPr lvl="0" eaLnBrk="1" latinLnBrk="0" hangingPunct="1"/>
@@ -2868,6 +2767,7 @@
               <a:rPr lang="zh-CN" altLang="en-US" smtClean="0"/>
               <a:t>单击此处编辑母版文本样式</a:t>
             </a:r>
+            <a:endParaRPr lang="zh-CN" altLang="en-US" smtClean="0"/>
           </a:p>
           <a:p>
             <a:pPr lvl="1" eaLnBrk="1" latinLnBrk="0" hangingPunct="1"/>
@@ -2875,6 +2775,7 @@
               <a:rPr lang="zh-CN" altLang="en-US" smtClean="0"/>
               <a:t>第二级</a:t>
             </a:r>
+            <a:endParaRPr lang="zh-CN" altLang="en-US" smtClean="0"/>
           </a:p>
           <a:p>
             <a:pPr lvl="2" eaLnBrk="1" latinLnBrk="0" hangingPunct="1"/>
@@ -2882,6 +2783,7 @@
               <a:rPr lang="zh-CN" altLang="en-US" smtClean="0"/>
               <a:t>第三级</a:t>
             </a:r>
+            <a:endParaRPr lang="zh-CN" altLang="en-US" smtClean="0"/>
           </a:p>
           <a:p>
             <a:pPr lvl="3" eaLnBrk="1" latinLnBrk="0" hangingPunct="1"/>
@@ -2889,6 +2791,7 @@
               <a:rPr lang="zh-CN" altLang="en-US" smtClean="0"/>
               <a:t>第四级</a:t>
             </a:r>
+            <a:endParaRPr lang="zh-CN" altLang="en-US" smtClean="0"/>
           </a:p>
           <a:p>
             <a:pPr lvl="4" eaLnBrk="1" latinLnBrk="0" hangingPunct="1"/>
@@ -2918,14 +2821,10 @@
         </p:spPr>
         <p:txBody>
           <a:bodyPr/>
-          <a:lstStyle>
-            <a:extLst/>
-          </a:lstStyle>
+          <a:lstStyle/>
           <a:p>
             <a:fld id="{08191576-95FC-4755-8AC5-8C5FE077D138}" type="datetimeFigureOut">
               <a:rPr lang="zh-CN" altLang="en-US" smtClean="0"/>
-              <a:pPr/>
-              <a:t>2019/8/27</a:t>
             </a:fld>
             <a:endParaRPr lang="zh-CN" altLang="en-US"/>
           </a:p>
@@ -2944,9 +2843,7 @@
         <p:spPr/>
         <p:txBody>
           <a:bodyPr/>
-          <a:lstStyle>
-            <a:extLst/>
-          </a:lstStyle>
+          <a:lstStyle/>
           <a:p>
             <a:endParaRPr lang="zh-CN" altLang="en-US"/>
           </a:p>
@@ -2965,14 +2862,10 @@
         <p:spPr/>
         <p:txBody>
           <a:bodyPr/>
-          <a:lstStyle>
-            <a:extLst/>
-          </a:lstStyle>
+          <a:lstStyle/>
           <a:p>
             <a:fld id="{4050FB6B-0E44-4FE8-98F3-53172ACB8023}" type="slidenum">
               <a:rPr lang="zh-CN" altLang="en-US" smtClean="0"/>
-              <a:pPr/>
-              <a:t>‹#›</a:t>
             </a:fld>
             <a:endParaRPr lang="zh-CN" altLang="en-US"/>
           </a:p>
@@ -2987,7 +2880,7 @@
 </file>
 
 <file path=ppt/slideLayouts/slideLayout9.xml><?xml version="1.0" encoding="utf-8"?>
-<p:sldLayout xmlns:a="http://schemas.openxmlformats.org/drawingml/2006/main" xmlns:r="http://schemas.openxmlformats.org/officeDocument/2006/relationships" xmlns:p="http://schemas.openxmlformats.org/presentationml/2006/main" showMasterSp="0" type="picTx" preserve="1">
+<p:sldLayout xmlns:a="http://schemas.openxmlformats.org/drawingml/2006/main" xmlns:r="http://schemas.openxmlformats.org/officeDocument/2006/relationships" xmlns:p="http://schemas.openxmlformats.org/presentationml/2006/main" type="picTx" preserve="1" showMasterSp="0">
   <p:cSld name="图片与标题">
     <p:bg>
       <p:bgRef idx="1002">
@@ -3028,7 +2921,7 @@
         <p:txBody>
           <a:bodyPr lIns="91440" tIns="0" rIns="91440" anchor="t"/>
           <a:lstStyle>
-            <a:lvl1pPr marL="0" marR="18288" indent="0" algn="r">
+            <a:lvl1pPr marL="0" marR="18415" indent="0" algn="r">
               <a:buNone/>
               <a:defRPr sz="1400"/>
             </a:lvl1pPr>
@@ -3044,7 +2937,6 @@
             <a:lvl5pPr>
               <a:defRPr sz="900"/>
             </a:lvl5pPr>
-            <a:extLst/>
           </a:lstStyle>
           <a:p>
             <a:pPr lvl="0" eaLnBrk="1" latinLnBrk="0" hangingPunct="1"/>
@@ -3052,6 +2944,7 @@
               <a:rPr kumimoji="0" lang="zh-CN" altLang="en-US" smtClean="0"/>
               <a:t>单击此处编辑母版文本样式</a:t>
             </a:r>
+            <a:endParaRPr kumimoji="0" lang="zh-CN" altLang="en-US" smtClean="0"/>
           </a:p>
         </p:txBody>
       </p:sp>
@@ -3094,7 +2987,6 @@
               <a:buNone/>
               <a:defRPr sz="3200"/>
             </a:lvl1pPr>
-            <a:extLst/>
           </a:lstStyle>
           <a:p>
             <a:r>
@@ -3126,13 +3018,10 @@
                 </a:solidFill>
               </a:defRPr>
             </a:lvl1pPr>
-            <a:extLst/>
           </a:lstStyle>
           <a:p>
             <a:fld id="{08191576-95FC-4755-8AC5-8C5FE077D138}" type="datetimeFigureOut">
               <a:rPr lang="zh-CN" altLang="en-US" smtClean="0"/>
-              <a:pPr/>
-              <a:t>2019/8/27</a:t>
             </a:fld>
             <a:endParaRPr lang="zh-CN" altLang="en-US"/>
           </a:p>
@@ -3164,7 +3053,6 @@
                 </a:solidFill>
               </a:defRPr>
             </a:lvl1pPr>
-            <a:extLst/>
           </a:lstStyle>
           <a:p>
             <a:endParaRPr lang="zh-CN" altLang="en-US"/>
@@ -3192,13 +3080,10 @@
                 </a:solidFill>
               </a:defRPr>
             </a:lvl1pPr>
-            <a:extLst/>
           </a:lstStyle>
           <a:p>
             <a:fld id="{4050FB6B-0E44-4FE8-98F3-53172ACB8023}" type="slidenum">
               <a:rPr lang="zh-CN" altLang="en-US" smtClean="0"/>
-              <a:pPr/>
-              <a:t>‹#›</a:t>
             </a:fld>
             <a:endParaRPr lang="zh-CN" altLang="en-US"/>
           </a:p>
@@ -3241,7 +3126,6 @@
                 </a:effectLst>
               </a:defRPr>
             </a:lvl1pPr>
-            <a:extLst/>
           </a:lstStyle>
           <a:p>
             <a:r>
@@ -3255,9 +3139,7 @@
       <p:sp>
         <p:nvSpPr>
           <p:cNvPr id="8" name="任意多边形 7"/>
-          <p:cNvSpPr>
-            <a:spLocks/>
-          </p:cNvSpPr>
+          <p:cNvSpPr/>
           <p:nvPr/>
         </p:nvSpPr>
         <p:spPr bwMode="auto">
@@ -3328,9 +3210,7 @@
         </p:spPr>
         <p:txBody>
           <a:bodyPr vert="horz" wrap="square" lIns="91440" tIns="45720" rIns="91440" bIns="45720" anchor="t" compatLnSpc="1"/>
-          <a:lstStyle>
-            <a:extLst/>
-          </a:lstStyle>
+          <a:lstStyle/>
           <a:p>
             <a:endParaRPr kumimoji="0" lang="en-US"/>
           </a:p>
@@ -3339,9 +3219,7 @@
       <p:sp>
         <p:nvSpPr>
           <p:cNvPr id="9" name="任意多边形 8"/>
-          <p:cNvSpPr>
-            <a:spLocks/>
-          </p:cNvSpPr>
+          <p:cNvSpPr/>
           <p:nvPr/>
         </p:nvSpPr>
         <p:spPr bwMode="auto">
@@ -3410,9 +3288,7 @@
         </p:spPr>
         <p:txBody>
           <a:bodyPr vert="horz" wrap="square" lIns="91440" tIns="45720" rIns="91440" bIns="45720" anchor="t" compatLnSpc="1"/>
-          <a:lstStyle>
-            <a:extLst/>
-          </a:lstStyle>
+          <a:lstStyle/>
           <a:p>
             <a:endParaRPr kumimoji="0" lang="en-US"/>
           </a:p>
@@ -3421,9 +3297,7 @@
       <p:sp>
         <p:nvSpPr>
           <p:cNvPr id="10" name="直角三角形 9"/>
-          <p:cNvSpPr>
-            <a:spLocks/>
-          </p:cNvSpPr>
+          <p:cNvSpPr/>
           <p:nvPr/>
         </p:nvSpPr>
         <p:spPr bwMode="auto">
@@ -3520,9 +3394,7 @@
         </p:style>
         <p:txBody>
           <a:bodyPr vert="horz" wrap="square" lIns="91440" tIns="45720" rIns="91440" bIns="45720" anchor="ctr" compatLnSpc="1"/>
-          <a:lstStyle>
-            <a:extLst/>
-          </a:lstStyle>
+          <a:lstStyle/>
           <a:p>
             <a:pPr algn="ctr" eaLnBrk="1" latinLnBrk="0" hangingPunct="1"/>
             <a:endParaRPr kumimoji="0" lang="en-US"/>
@@ -3653,9 +3525,7 @@
         </p:style>
         <p:txBody>
           <a:bodyPr anchor="ctr"/>
-          <a:lstStyle>
-            <a:extLst/>
-          </a:lstStyle>
+          <a:lstStyle/>
           <a:p>
             <a:pPr algn="l" eaLnBrk="1" latinLnBrk="0" hangingPunct="1"/>
             <a:endParaRPr kumimoji="0" lang="en-US"/>
@@ -3733,9 +3603,7 @@
         </p:style>
         <p:txBody>
           <a:bodyPr anchor="ctr"/>
-          <a:lstStyle>
-            <a:extLst/>
-          </a:lstStyle>
+          <a:lstStyle/>
           <a:p>
             <a:pPr algn="l" eaLnBrk="1" latinLnBrk="0" hangingPunct="1"/>
             <a:endParaRPr kumimoji="0" lang="en-US"/>
@@ -3775,9 +3643,7 @@
       <p:sp>
         <p:nvSpPr>
           <p:cNvPr id="13" name="任意多边形 12"/>
-          <p:cNvSpPr>
-            <a:spLocks/>
-          </p:cNvSpPr>
+          <p:cNvSpPr/>
           <p:nvPr/>
         </p:nvSpPr>
         <p:spPr bwMode="auto">
@@ -3848,9 +3714,7 @@
         </p:spPr>
         <p:txBody>
           <a:bodyPr vert="horz" wrap="square" lIns="91440" tIns="45720" rIns="91440" bIns="45720" anchor="t" compatLnSpc="1"/>
-          <a:lstStyle>
-            <a:extLst/>
-          </a:lstStyle>
+          <a:lstStyle/>
           <a:p>
             <a:endParaRPr kumimoji="0" lang="en-US"/>
           </a:p>
@@ -3859,9 +3723,7 @@
       <p:sp>
         <p:nvSpPr>
           <p:cNvPr id="12" name="任意多边形 11"/>
-          <p:cNvSpPr>
-            <a:spLocks/>
-          </p:cNvSpPr>
+          <p:cNvSpPr/>
           <p:nvPr/>
         </p:nvSpPr>
         <p:spPr bwMode="auto">
@@ -3930,9 +3792,7 @@
         </p:spPr>
         <p:txBody>
           <a:bodyPr vert="horz" wrap="square" lIns="91440" tIns="45720" rIns="91440" bIns="45720" anchor="t" compatLnSpc="1"/>
-          <a:lstStyle>
-            <a:extLst/>
-          </a:lstStyle>
+          <a:lstStyle/>
           <a:p>
             <a:endParaRPr kumimoji="0" lang="en-US"/>
           </a:p>
@@ -3941,9 +3801,7 @@
       <p:sp>
         <p:nvSpPr>
           <p:cNvPr id="14" name="直角三角形 13"/>
-          <p:cNvSpPr>
-            <a:spLocks/>
-          </p:cNvSpPr>
+          <p:cNvSpPr/>
           <p:nvPr/>
         </p:nvSpPr>
         <p:spPr bwMode="auto">
@@ -3955,7 +3813,7 @@
             <a:avLst/>
           </a:prstGeom>
           <a:blipFill>
-            <a:blip r:embed="rId13">
+            <a:blip r:embed="rId12">
               <a:alphaModFix amt="50000"/>
             </a:blip>
             <a:tile tx="0" ty="0" sx="50000" sy="50000" flip="none" algn="t"/>
@@ -4040,9 +3898,7 @@
         </p:style>
         <p:txBody>
           <a:bodyPr vert="horz" wrap="square" lIns="91440" tIns="45720" rIns="91440" bIns="45720" anchor="ctr" compatLnSpc="1"/>
-          <a:lstStyle>
-            <a:extLst/>
-          </a:lstStyle>
+          <a:lstStyle/>
           <a:p>
             <a:pPr algn="ctr" eaLnBrk="1" latinLnBrk="0" hangingPunct="1"/>
             <a:endParaRPr kumimoji="0" lang="en-US"/>
@@ -4132,9 +3988,7 @@
               <a:bevelT w="25400" h="25400"/>
             </a:sp3d>
           </a:bodyPr>
-          <a:lstStyle>
-            <a:extLst/>
-          </a:lstStyle>
+          <a:lstStyle/>
           <a:p>
             <a:r>
               <a:rPr kumimoji="0" lang="zh-CN" altLang="en-US" smtClean="0"/>
@@ -4167,15 +4021,14 @@
           <a:bodyPr vert="horz">
             <a:normAutofit/>
           </a:bodyPr>
-          <a:lstStyle>
-            <a:extLst/>
-          </a:lstStyle>
+          <a:lstStyle/>
           <a:p>
             <a:pPr lvl="0" eaLnBrk="1" latinLnBrk="0" hangingPunct="1"/>
             <a:r>
               <a:rPr kumimoji="0" lang="zh-CN" altLang="en-US" smtClean="0"/>
               <a:t>单击此处编辑母版文本样式</a:t>
             </a:r>
+            <a:endParaRPr kumimoji="0" lang="zh-CN" altLang="en-US" smtClean="0"/>
           </a:p>
           <a:p>
             <a:pPr lvl="1" eaLnBrk="1" latinLnBrk="0" hangingPunct="1"/>
@@ -4183,6 +4036,7 @@
               <a:rPr kumimoji="0" lang="zh-CN" altLang="en-US" smtClean="0"/>
               <a:t>第二级</a:t>
             </a:r>
+            <a:endParaRPr kumimoji="0" lang="zh-CN" altLang="en-US" smtClean="0"/>
           </a:p>
           <a:p>
             <a:pPr lvl="2" eaLnBrk="1" latinLnBrk="0" hangingPunct="1"/>
@@ -4190,6 +4044,7 @@
               <a:rPr kumimoji="0" lang="zh-CN" altLang="en-US" smtClean="0"/>
               <a:t>第三级</a:t>
             </a:r>
+            <a:endParaRPr kumimoji="0" lang="zh-CN" altLang="en-US" smtClean="0"/>
           </a:p>
           <a:p>
             <a:pPr lvl="3" eaLnBrk="1" latinLnBrk="0" hangingPunct="1"/>
@@ -4197,6 +4052,7 @@
               <a:rPr kumimoji="0" lang="zh-CN" altLang="en-US" smtClean="0"/>
               <a:t>第四级</a:t>
             </a:r>
+            <a:endParaRPr kumimoji="0" lang="zh-CN" altLang="en-US" smtClean="0"/>
           </a:p>
           <a:p>
             <a:pPr lvl="4" eaLnBrk="1" latinLnBrk="0" hangingPunct="1"/>
@@ -4237,13 +4093,10 @@
                 </a:solidFill>
               </a:defRPr>
             </a:lvl1pPr>
-            <a:extLst/>
           </a:lstStyle>
           <a:p>
             <a:fld id="{08191576-95FC-4755-8AC5-8C5FE077D138}" type="datetimeFigureOut">
               <a:rPr lang="zh-CN" altLang="en-US" smtClean="0"/>
-              <a:pPr/>
-              <a:t>2019/8/27</a:t>
             </a:fld>
             <a:endParaRPr lang="zh-CN" altLang="en-US"/>
           </a:p>
@@ -4278,7 +4131,6 @@
                 </a:solidFill>
               </a:defRPr>
             </a:lvl1pPr>
-            <a:extLst/>
           </a:lstStyle>
           <a:p>
             <a:endParaRPr lang="zh-CN" altLang="en-US"/>
@@ -4314,13 +4166,10 @@
                 </a:solidFill>
               </a:defRPr>
             </a:lvl1pPr>
-            <a:extLst/>
           </a:lstStyle>
           <a:p>
             <a:fld id="{4050FB6B-0E44-4FE8-98F3-53172ACB8023}" type="slidenum">
               <a:rPr lang="zh-CN" altLang="en-US" smtClean="0"/>
-              <a:pPr/>
-              <a:t>‹#›</a:t>
             </a:fld>
             <a:endParaRPr lang="zh-CN" altLang="en-US"/>
           </a:p>
@@ -4330,17 +4179,17 @@
   </p:cSld>
   <p:clrMap bg1="lt1" tx1="dk1" bg2="lt2" tx2="dk2" accent1="accent1" accent2="accent2" accent3="accent3" accent4="accent4" accent5="accent5" accent6="accent6" hlink="hlink" folHlink="folHlink"/>
   <p:sldLayoutIdLst>
-    <p:sldLayoutId id="2147483733" r:id="rId1"/>
-    <p:sldLayoutId id="2147483734" r:id="rId2"/>
-    <p:sldLayoutId id="2147483735" r:id="rId3"/>
-    <p:sldLayoutId id="2147483736" r:id="rId4"/>
-    <p:sldLayoutId id="2147483737" r:id="rId5"/>
-    <p:sldLayoutId id="2147483738" r:id="rId6"/>
-    <p:sldLayoutId id="2147483739" r:id="rId7"/>
-    <p:sldLayoutId id="2147483740" r:id="rId8"/>
-    <p:sldLayoutId id="2147483741" r:id="rId9"/>
-    <p:sldLayoutId id="2147483742" r:id="rId10"/>
-    <p:sldLayoutId id="2147483743" r:id="rId11"/>
+    <p:sldLayoutId id="2147483649" r:id="rId1"/>
+    <p:sldLayoutId id="2147483650" r:id="rId2"/>
+    <p:sldLayoutId id="2147483651" r:id="rId3"/>
+    <p:sldLayoutId id="2147483652" r:id="rId4"/>
+    <p:sldLayoutId id="2147483653" r:id="rId5"/>
+    <p:sldLayoutId id="2147483654" r:id="rId6"/>
+    <p:sldLayoutId id="2147483655" r:id="rId7"/>
+    <p:sldLayoutId id="2147483656" r:id="rId8"/>
+    <p:sldLayoutId id="2147483657" r:id="rId9"/>
+    <p:sldLayoutId id="2147483658" r:id="rId10"/>
+    <p:sldLayoutId id="2147483659" r:id="rId11"/>
   </p:sldLayoutIdLst>
   <p:txStyles>
     <p:titleStyle>
@@ -4365,10 +4214,9 @@
           <a:cs typeface="+mj-cs"/>
         </a:defRPr>
       </a:lvl1pPr>
-      <a:extLst/>
     </p:titleStyle>
     <p:bodyStyle>
-      <a:lvl1pPr marL="365760" indent="-256032" algn="l" rtl="0" eaLnBrk="1" latinLnBrk="0" hangingPunct="1">
+      <a:lvl1pPr marL="365760" indent="-255905" algn="l" rtl="0" eaLnBrk="1" latinLnBrk="0" hangingPunct="1">
         <a:spcBef>
           <a:spcPts val="400"/>
         </a:spcBef>
@@ -4379,7 +4227,7 @@
           <a:schemeClr val="accent1"/>
         </a:buClr>
         <a:buSzPct val="68000"/>
-        <a:buFont typeface="Wingdings 3"/>
+        <a:buFont typeface="Wingdings 3" panose="05040102010807070707"/>
         <a:buChar char=""/>
         <a:defRPr kumimoji="0" sz="2700" kern="1200">
           <a:solidFill>
@@ -4390,14 +4238,14 @@
           <a:cs typeface="+mn-cs"/>
         </a:defRPr>
       </a:lvl1pPr>
-      <a:lvl2pPr marL="621792" indent="-228600" algn="l" rtl="0" eaLnBrk="1" latinLnBrk="0" hangingPunct="1">
+      <a:lvl2pPr marL="621665" indent="-228600" algn="l" rtl="0" eaLnBrk="1" latinLnBrk="0" hangingPunct="1">
         <a:spcBef>
-          <a:spcPts val="324"/>
+          <a:spcPts val="325"/>
         </a:spcBef>
         <a:buClr>
           <a:schemeClr val="accent1"/>
         </a:buClr>
-        <a:buFont typeface="Verdana"/>
+        <a:buFont typeface="Verdana" panose="020B0604030504040204"/>
         <a:buChar char="◦"/>
         <a:defRPr kumimoji="0" sz="2300" kern="1200">
           <a:solidFill>
@@ -4408,7 +4256,7 @@
           <a:cs typeface="+mn-cs"/>
         </a:defRPr>
       </a:lvl2pPr>
-      <a:lvl3pPr marL="859536" indent="-228600" algn="l" rtl="0" eaLnBrk="1" latinLnBrk="0" hangingPunct="1">
+      <a:lvl3pPr marL="859790" indent="-228600" algn="l" rtl="0" eaLnBrk="1" latinLnBrk="0" hangingPunct="1">
         <a:spcBef>
           <a:spcPts val="350"/>
         </a:spcBef>
@@ -4416,7 +4264,7 @@
           <a:schemeClr val="accent2"/>
         </a:buClr>
         <a:buSzPct val="100000"/>
-        <a:buFont typeface="Wingdings 2"/>
+        <a:buFont typeface="Wingdings 2" panose="05020102010507070707"/>
         <a:buChar char=""/>
         <a:defRPr kumimoji="0" sz="2100" kern="1200">
           <a:solidFill>
@@ -4434,7 +4282,7 @@
         <a:buClr>
           <a:schemeClr val="accent2"/>
         </a:buClr>
-        <a:buFont typeface="Wingdings 2"/>
+        <a:buFont typeface="Wingdings 2" panose="05020102010507070707"/>
         <a:buChar char=""/>
         <a:defRPr kumimoji="0" sz="1900" kern="1200">
           <a:solidFill>
@@ -4452,7 +4300,7 @@
         <a:buClr>
           <a:schemeClr val="accent2"/>
         </a:buClr>
-        <a:buFont typeface="Wingdings 2"/>
+        <a:buFont typeface="Wingdings 2" panose="05020102010507070707"/>
         <a:buChar char=""/>
         <a:defRPr kumimoji="0" sz="1800" kern="1200">
           <a:solidFill>
@@ -4470,7 +4318,7 @@
         <a:buClr>
           <a:schemeClr val="accent3"/>
         </a:buClr>
-        <a:buFont typeface="Wingdings 2"/>
+        <a:buFont typeface="Wingdings 2" panose="05020102010507070707"/>
         <a:buChar char=""/>
         <a:defRPr kumimoji="0" sz="1800" kern="1200">
           <a:solidFill>
@@ -4488,7 +4336,7 @@
         <a:buClr>
           <a:schemeClr val="accent3"/>
         </a:buClr>
-        <a:buFont typeface="Wingdings 2"/>
+        <a:buFont typeface="Wingdings 2" panose="05020102010507070707"/>
         <a:buChar char=""/>
         <a:defRPr kumimoji="0" sz="1600" kern="1200">
           <a:solidFill>
@@ -4506,7 +4354,7 @@
         <a:buClr>
           <a:schemeClr val="accent3"/>
         </a:buClr>
-        <a:buFont typeface="Wingdings 2"/>
+        <a:buFont typeface="Wingdings 2" panose="05020102010507070707"/>
         <a:buChar char=""/>
         <a:defRPr kumimoji="0" sz="1600" kern="1200">
           <a:solidFill>
@@ -4524,7 +4372,7 @@
         <a:buClr>
           <a:schemeClr val="accent3"/>
         </a:buClr>
-        <a:buFont typeface="Wingdings 2"/>
+        <a:buFont typeface="Wingdings 2" panose="05020102010507070707"/>
         <a:buChar char=""/>
         <a:defRPr kumimoji="0" sz="1600" kern="1200" baseline="0">
           <a:solidFill>
@@ -4535,7 +4383,6 @@
           <a:cs typeface="+mn-cs"/>
         </a:defRPr>
       </a:lvl9pPr>
-      <a:extLst/>
     </p:bodyStyle>
     <p:otherStyle>
       <a:lvl1pPr marL="0" algn="l" rtl="0" eaLnBrk="1" latinLnBrk="0" hangingPunct="1">
@@ -4628,7 +4475,6 @@
           <a:cs typeface="+mn-cs"/>
         </a:defRPr>
       </a:lvl9pPr>
-      <a:extLst/>
     </p:otherStyle>
   </p:txStyles>
 </p:sldMaster>
@@ -4761,6 +4607,7 @@
               <a:rPr lang="en-US" dirty="0" smtClean="0"/>
               <a:t>(page)</a:t>
             </a:r>
+            <a:endParaRPr lang="en-US" dirty="0" smtClean="0"/>
           </a:p>
           <a:p>
             <a:endParaRPr lang="en-US" altLang="zh-CN" dirty="0" smtClean="0"/>
@@ -4956,6 +4803,7 @@
               <a:rPr lang="en-US" dirty="0" smtClean="0"/>
               <a:t>)</a:t>
             </a:r>
+            <a:endParaRPr lang="en-US" dirty="0" smtClean="0"/>
           </a:p>
           <a:p>
             <a:endParaRPr lang="en-US" altLang="zh-CN" dirty="0" smtClean="0"/>
@@ -5074,6 +4922,7 @@
               <a:rPr lang="en-US" dirty="0" smtClean="0"/>
               <a:t>)</a:t>
             </a:r>
+            <a:endParaRPr lang="en-US" dirty="0" smtClean="0"/>
           </a:p>
           <a:p>
             <a:endParaRPr lang="en-US" altLang="zh-CN" dirty="0" smtClean="0"/>
@@ -5095,6 +4944,7 @@
               <a:rPr lang="zh-CN" altLang="en-US" dirty="0" smtClean="0"/>
               <a:t>每页数量</a:t>
             </a:r>
+            <a:endParaRPr lang="zh-CN" altLang="en-US" dirty="0" smtClean="0"/>
           </a:p>
           <a:p>
             <a:pPr>
@@ -5318,14 +5168,7 @@
         <p:cNvGrpSpPr/>
         <p:nvPr/>
       </p:nvGrpSpPr>
-      <p:grpSpPr>
-        <a:xfrm>
-          <a:off x="0" y="0"/>
-          <a:ext cx="0" cy="0"/>
-          <a:chOff x="0" y="0"/>
-          <a:chExt cx="0" cy="0"/>
-        </a:xfrm>
-      </p:grpSpPr>
+      <p:grpSpPr/>
       <p:sp>
         <p:nvSpPr>
           <p:cNvPr id="2" name="内容占位符 1"/>
@@ -5339,13 +5182,26 @@
         <p:spPr/>
         <p:txBody>
           <a:bodyPr/>
-          <a:lstStyle/>
-          <a:p>
-            <a:r>
-              <a:rPr lang="en-US" dirty="0" err="1" smtClean="0"/>
-              <a:t>grid.onFilterChanged</a:t>
-            </a:r>
-            <a:endParaRPr lang="zh-CN" altLang="en-US" dirty="0"/>
+          <a:p>
+            <a:r>
+              <a:rPr lang="zh-CN" altLang="en-US"/>
+              <a:t>grid.setExcelData = function(func)</a:t>
+            </a:r>
+            <a:endParaRPr lang="zh-CN" altLang="en-US"/>
+          </a:p>
+          <a:p>
+            <a:endParaRPr lang="zh-CN" altLang="en-US"/>
+          </a:p>
+          <a:p>
+            <a:r>
+              <a:rPr lang="en-US" altLang="zh-CN"/>
+              <a:t>func </a:t>
+            </a:r>
+            <a:r>
+              <a:rPr lang="zh-CN" altLang="en-US"/>
+              <a:t>处理数据的方法</a:t>
+            </a:r>
+            <a:endParaRPr lang="zh-CN" altLang="en-US"/>
           </a:p>
         </p:txBody>
       </p:sp>
@@ -5362,13 +5218,12 @@
         <p:spPr/>
         <p:txBody>
           <a:bodyPr/>
-          <a:lstStyle/>
-          <a:p>
-            <a:r>
-              <a:rPr lang="zh-CN" altLang="en-US" dirty="0" smtClean="0"/>
-              <a:t>筛选后调用函数</a:t>
-            </a:r>
-            <a:endParaRPr lang="zh-CN" altLang="en-US" dirty="0"/>
+          <a:p>
+            <a:r>
+              <a:rPr lang="zh-CN" altLang="en-US"/>
+              <a:t>对于excel数据进行处理回调函数</a:t>
+            </a:r>
+            <a:endParaRPr lang="zh-CN" altLang="en-US"/>
           </a:p>
         </p:txBody>
       </p:sp>
@@ -5409,80 +5264,76 @@
         </p:nvSpPr>
         <p:spPr/>
         <p:txBody>
-          <a:bodyPr/>
+          <a:bodyPr>
+            <a:normAutofit/>
+          </a:bodyPr>
           <a:lstStyle/>
           <a:p>
             <a:r>
               <a:rPr lang="en-US" dirty="0" err="1" smtClean="0"/>
-              <a:t>grid.changesLineByKey</a:t>
-            </a:r>
+              <a:t>grid.checkSelection=function(check)</a:t>
+            </a:r>
+            <a:endParaRPr lang="en-US" dirty="0" err="1" smtClean="0"/>
+          </a:p>
+          <a:p>
+            <a:endParaRPr lang="en-US" altLang="zh-CN" dirty="0" smtClean="0"/>
+          </a:p>
+          <a:p>
             <a:r>
               <a:rPr lang="en-US" dirty="0" smtClean="0"/>
-              <a:t> = </a:t>
-            </a:r>
-            <a:r>
-              <a:rPr lang="en-US" b="1" dirty="0" smtClean="0"/>
-              <a:t>function</a:t>
-            </a:r>
-            <a:r>
-              <a:rPr lang="en-US" dirty="0" smtClean="0"/>
-              <a:t>(</a:t>
-            </a:r>
-            <a:r>
-              <a:rPr lang="en-US" dirty="0" err="1" smtClean="0"/>
-              <a:t>ids,key,func</a:t>
-            </a:r>
-            <a:r>
-              <a:rPr lang="en-US" dirty="0" smtClean="0"/>
-              <a:t>)</a:t>
-            </a:r>
-          </a:p>
-          <a:p>
-            <a:endParaRPr lang="en-US" altLang="zh-CN" dirty="0" smtClean="0"/>
-          </a:p>
-          <a:p>
+              <a:t>check</a:t>
+            </a:r>
+            <a:r>
+              <a:rPr lang="zh-CN" altLang="en-US" dirty="0" smtClean="0"/>
+              <a:t>控制的条件如果为</a:t>
+            </a:r>
             <a:r>
               <a:rPr lang="en-US" altLang="zh-CN" dirty="0" smtClean="0"/>
-              <a:t>//ids</a:t>
+              <a:t>TRUE</a:t>
             </a:r>
             <a:r>
               <a:rPr lang="zh-CN" altLang="en-US" dirty="0" smtClean="0"/>
-              <a:t>数据</a:t>
-            </a:r>
-            <a:endParaRPr lang="en-US" altLang="zh-CN" dirty="0" smtClean="0"/>
-          </a:p>
-          <a:p>
-            <a:r>
-              <a:rPr lang="en-US" altLang="zh-CN" dirty="0" smtClean="0"/>
-              <a:t>//key</a:t>
-            </a:r>
-            <a:r>
-              <a:rPr lang="zh-CN" altLang="en-US" dirty="0" smtClean="0"/>
-              <a:t>用来对应的属性名，默认</a:t>
-            </a:r>
-            <a:r>
-              <a:rPr lang="en-US" altLang="zh-CN" dirty="0" smtClean="0"/>
-              <a:t>Id</a:t>
-            </a:r>
-          </a:p>
-          <a:p>
-            <a:r>
-              <a:rPr lang="en-US" altLang="zh-CN" dirty="0" smtClean="0"/>
-              <a:t>//</a:t>
-            </a:r>
-            <a:r>
-              <a:rPr lang="en-US" altLang="zh-CN" dirty="0" err="1" smtClean="0"/>
-              <a:t>func</a:t>
-            </a:r>
-            <a:r>
-              <a:rPr lang="en-US" altLang="zh-CN" dirty="0" smtClean="0"/>
-              <a:t> </a:t>
-            </a:r>
-            <a:r>
-              <a:rPr lang="zh-CN" altLang="en-US" dirty="0" smtClean="0"/>
-              <a:t>刷新后执行的函数</a:t>
-            </a:r>
-            <a:endParaRPr lang="zh-CN" altLang="en-US" dirty="0"/>
+              <a:t>则报错，否则执行对应的操作</a:t>
+            </a:r>
+            <a:endParaRPr lang="zh-CN" altLang="en-US" dirty="0" smtClean="0"/>
+          </a:p>
+          <a:p>
+            <a:endParaRPr lang="zh-CN" altLang="en-US" sz="1400" dirty="0" smtClean="0"/>
+          </a:p>
+          <a:p>
+            <a:r>
+              <a:rPr lang="zh-CN" altLang="en-US" sz="1400" dirty="0" smtClean="0"/>
+              <a:t>mainGrid.checkSelection((item)=&gt;item.StatusType != 0).then(()=&gt;{</a:t>
+            </a:r>
+            <a:endParaRPr lang="zh-CN" altLang="en-US" sz="1400" dirty="0" smtClean="0"/>
+          </a:p>
+          <a:p>
+            <a:r>
+              <a:rPr lang="zh-CN" altLang="en-US" sz="1400" dirty="0" smtClean="0"/>
+              <a:t>                //检验成功执行对应操作</a:t>
+            </a:r>
+            <a:endParaRPr lang="zh-CN" altLang="en-US" sz="1400" dirty="0" smtClean="0"/>
+          </a:p>
+          <a:p>
+            <a:r>
+              <a:rPr lang="zh-CN" altLang="en-US" sz="1400" dirty="0" smtClean="0"/>
+              <a:t>            }).catch(()=&gt;{</a:t>
+            </a:r>
+            <a:endParaRPr lang="zh-CN" altLang="en-US" sz="1400" dirty="0" smtClean="0"/>
+          </a:p>
+          <a:p>
+            <a:r>
+              <a:rPr lang="zh-CN" altLang="en-US" sz="1400" dirty="0" smtClean="0"/>
+              <a:t>                //校验失败报错</a:t>
+            </a:r>
+            <a:endParaRPr lang="zh-CN" altLang="en-US" sz="1400" dirty="0" smtClean="0"/>
+          </a:p>
+          <a:p>
+            <a:r>
+              <a:rPr lang="zh-CN" altLang="en-US" sz="1400" dirty="0" smtClean="0"/>
+              <a:t>            });</a:t>
+            </a:r>
+            <a:endParaRPr lang="zh-CN" altLang="en-US" sz="1400" dirty="0" smtClean="0"/>
           </a:p>
         </p:txBody>
       </p:sp>
@@ -5502,8 +5353,8 @@
           <a:lstStyle/>
           <a:p>
             <a:r>
-              <a:rPr lang="zh-CN" altLang="en-US" dirty="0" smtClean="0"/>
-              <a:t>刷新指定数据的行数据</a:t>
+              <a:rPr lang="zh-CN" altLang="en-US" dirty="0"/>
+              <a:t>校验选择的数据是否可以进行操作</a:t>
             </a:r>
             <a:endParaRPr lang="zh-CN" altLang="en-US" dirty="0"/>
           </a:p>
@@ -5551,55 +5402,30 @@
           <a:p>
             <a:r>
               <a:rPr lang="en-US" dirty="0" err="1" smtClean="0"/>
-              <a:t>grid.setData</a:t>
-            </a:r>
-            <a:r>
-              <a:rPr lang="en-US" dirty="0" smtClean="0"/>
-              <a:t> = </a:t>
-            </a:r>
-            <a:r>
-              <a:rPr lang="en-US" b="1" dirty="0" smtClean="0"/>
-              <a:t>function </a:t>
-            </a:r>
-            <a:r>
-              <a:rPr lang="en-US" dirty="0" smtClean="0"/>
-              <a:t>(data)</a:t>
-            </a:r>
-          </a:p>
-          <a:p>
-            <a:endParaRPr lang="en-US" altLang="zh-CN" dirty="0" smtClean="0"/>
-          </a:p>
-          <a:p>
-            <a:r>
-              <a:rPr lang="en-US" altLang="zh-CN" dirty="0" smtClean="0"/>
-              <a:t>//data </a:t>
-            </a:r>
+              <a:t>grid.onFilterChanged</a:t>
+            </a:r>
+            <a:endParaRPr lang="zh-CN" altLang="en-US" dirty="0"/>
+          </a:p>
+        </p:txBody>
+      </p:sp>
+      <p:sp>
+        <p:nvSpPr>
+          <p:cNvPr id="3" name="标题 2"/>
+          <p:cNvSpPr>
+            <a:spLocks noGrp="1"/>
+          </p:cNvSpPr>
+          <p:nvPr>
+            <p:ph type="title"/>
+          </p:nvPr>
+        </p:nvSpPr>
+        <p:spPr/>
+        <p:txBody>
+          <a:bodyPr/>
+          <a:lstStyle/>
+          <a:p>
             <a:r>
               <a:rPr lang="zh-CN" altLang="en-US" dirty="0" smtClean="0"/>
-              <a:t>数据数组</a:t>
-            </a:r>
-            <a:endParaRPr lang="zh-CN" altLang="en-US" dirty="0"/>
-          </a:p>
-        </p:txBody>
-      </p:sp>
-      <p:sp>
-        <p:nvSpPr>
-          <p:cNvPr id="3" name="标题 2"/>
-          <p:cNvSpPr>
-            <a:spLocks noGrp="1"/>
-          </p:cNvSpPr>
-          <p:nvPr>
-            <p:ph type="title"/>
-          </p:nvPr>
-        </p:nvSpPr>
-        <p:spPr/>
-        <p:txBody>
-          <a:bodyPr/>
-          <a:lstStyle/>
-          <a:p>
-            <a:r>
-              <a:rPr lang="zh-CN" altLang="en-US" dirty="0" smtClean="0"/>
-              <a:t>设置表格中数据源</a:t>
+              <a:t>筛选后调用函数</a:t>
             </a:r>
             <a:endParaRPr lang="zh-CN" altLang="en-US" dirty="0"/>
           </a:p>
@@ -5647,7 +5473,75 @@
           <a:p>
             <a:r>
               <a:rPr lang="en-US" dirty="0" err="1" smtClean="0"/>
-              <a:t>grid.getRowData</a:t>
+              <a:t>grid.changesLineByKey</a:t>
+            </a:r>
+            <a:r>
+              <a:rPr lang="en-US" dirty="0" smtClean="0"/>
+              <a:t> = </a:t>
+            </a:r>
+            <a:r>
+              <a:rPr lang="en-US" b="1" dirty="0" smtClean="0"/>
+              <a:t>function</a:t>
+            </a:r>
+            <a:r>
+              <a:rPr lang="en-US" dirty="0" smtClean="0"/>
+              <a:t>(</a:t>
+            </a:r>
+            <a:r>
+              <a:rPr lang="en-US" dirty="0" err="1" smtClean="0"/>
+              <a:t>ids,key,func</a:t>
+            </a:r>
+            <a:r>
+              <a:rPr lang="en-US" dirty="0" smtClean="0"/>
+              <a:t>)</a:t>
+            </a:r>
+            <a:endParaRPr lang="en-US" dirty="0" smtClean="0"/>
+          </a:p>
+          <a:p>
+            <a:endParaRPr lang="en-US" altLang="zh-CN" dirty="0" smtClean="0"/>
+          </a:p>
+          <a:p>
+            <a:r>
+              <a:rPr lang="en-US" altLang="zh-CN" dirty="0" smtClean="0"/>
+              <a:t>//ids</a:t>
+            </a:r>
+            <a:r>
+              <a:rPr lang="zh-CN" altLang="en-US" dirty="0" smtClean="0"/>
+              <a:t>数据</a:t>
+            </a:r>
+            <a:endParaRPr lang="en-US" altLang="zh-CN" dirty="0" smtClean="0"/>
+          </a:p>
+          <a:p>
+            <a:r>
+              <a:rPr lang="en-US" altLang="zh-CN" dirty="0" smtClean="0"/>
+              <a:t>//key</a:t>
+            </a:r>
+            <a:r>
+              <a:rPr lang="zh-CN" altLang="en-US" dirty="0" smtClean="0"/>
+              <a:t>用来对应的属性名，默认</a:t>
+            </a:r>
+            <a:r>
+              <a:rPr lang="en-US" altLang="zh-CN" dirty="0" smtClean="0"/>
+              <a:t>Id</a:t>
+            </a:r>
+            <a:endParaRPr lang="en-US" altLang="zh-CN" dirty="0" smtClean="0"/>
+          </a:p>
+          <a:p>
+            <a:r>
+              <a:rPr lang="en-US" altLang="zh-CN" dirty="0" smtClean="0"/>
+              <a:t>//</a:t>
+            </a:r>
+            <a:r>
+              <a:rPr lang="en-US" altLang="zh-CN" dirty="0" err="1" smtClean="0"/>
+              <a:t>func</a:t>
+            </a:r>
+            <a:r>
+              <a:rPr lang="en-US" altLang="zh-CN" dirty="0" smtClean="0"/>
+              <a:t> </a:t>
+            </a:r>
+            <a:r>
+              <a:rPr lang="zh-CN" altLang="en-US" dirty="0" smtClean="0"/>
+              <a:t>刷新后执行的函数</a:t>
             </a:r>
             <a:endParaRPr lang="zh-CN" altLang="en-US" dirty="0"/>
           </a:p>
@@ -5670,7 +5564,7 @@
           <a:p>
             <a:r>
               <a:rPr lang="zh-CN" altLang="en-US" dirty="0" smtClean="0"/>
-              <a:t>获取主表当前页全部数据</a:t>
+              <a:t>刷新指定数据的行数据</a:t>
             </a:r>
             <a:endParaRPr lang="zh-CN" altLang="en-US" dirty="0"/>
           </a:p>
@@ -5766,6 +5660,7 @@
               <a:rPr lang="en-US" sz="2000" dirty="0" smtClean="0"/>
               <a:t>);</a:t>
             </a:r>
+            <a:endParaRPr lang="en-US" sz="2000" dirty="0" smtClean="0"/>
           </a:p>
           <a:p>
             <a:pPr>
@@ -5814,6 +5709,7 @@
               <a:rPr lang="en-US" altLang="zh-CN" sz="2000" b="1" dirty="0" smtClean="0"/>
               <a:t>Id</a:t>
             </a:r>
+            <a:endParaRPr lang="en-US" altLang="zh-CN" sz="2000" b="1" dirty="0" smtClean="0"/>
           </a:p>
           <a:p>
             <a:r>
@@ -5917,7 +5813,7 @@
           <a:p>
             <a:r>
               <a:rPr lang="en-US" dirty="0" err="1" smtClean="0"/>
-              <a:t>grid.getNodeByIndex</a:t>
+              <a:t>grid.setData</a:t>
             </a:r>
             <a:r>
               <a:rPr lang="en-US" dirty="0" smtClean="0"/>
@@ -5929,8 +5825,9 @@
             </a:r>
             <a:r>
               <a:rPr lang="en-US" dirty="0" smtClean="0"/>
-              <a:t>(index)</a:t>
-            </a:r>
+              <a:t>(data)</a:t>
+            </a:r>
+            <a:endParaRPr lang="en-US" dirty="0" smtClean="0"/>
           </a:p>
           <a:p>
             <a:endParaRPr lang="en-US" altLang="zh-CN" dirty="0" smtClean="0"/>
@@ -5938,11 +5835,11 @@
           <a:p>
             <a:r>
               <a:rPr lang="en-US" altLang="zh-CN" dirty="0" smtClean="0"/>
-              <a:t>//index </a:t>
+              <a:t>//data </a:t>
             </a:r>
             <a:r>
               <a:rPr lang="zh-CN" altLang="en-US" dirty="0" smtClean="0"/>
-              <a:t>行序号</a:t>
+              <a:t>数据数组</a:t>
             </a:r>
             <a:endParaRPr lang="zh-CN" altLang="en-US" dirty="0"/>
           </a:p>
@@ -5965,7 +5862,7 @@
           <a:p>
             <a:r>
               <a:rPr lang="zh-CN" altLang="en-US" dirty="0" smtClean="0"/>
-              <a:t>获得指定行数据</a:t>
+              <a:t>设置表格中数据源</a:t>
             </a:r>
             <a:endParaRPr lang="zh-CN" altLang="en-US" dirty="0"/>
           </a:p>
@@ -6013,7 +5910,7 @@
           <a:p>
             <a:r>
               <a:rPr lang="en-US" dirty="0" err="1" smtClean="0"/>
-              <a:t>grid.unCheckAll</a:t>
+              <a:t>grid.getRowData</a:t>
             </a:r>
             <a:endParaRPr lang="zh-CN" altLang="en-US" dirty="0"/>
           </a:p>
@@ -6036,7 +5933,7 @@
           <a:p>
             <a:r>
               <a:rPr lang="zh-CN" altLang="en-US" dirty="0" smtClean="0"/>
-              <a:t>主表全部不选</a:t>
+              <a:t>获取主表当前页全部数据</a:t>
             </a:r>
             <a:endParaRPr lang="zh-CN" altLang="en-US" dirty="0"/>
           </a:p>
@@ -6084,7 +5981,7 @@
           <a:p>
             <a:r>
               <a:rPr lang="en-US" dirty="0" err="1" smtClean="0"/>
-              <a:t>grid.checkRow</a:t>
+              <a:t>grid.getNodeByIndex</a:t>
             </a:r>
             <a:r>
               <a:rPr lang="en-US" dirty="0" smtClean="0"/>
@@ -6098,6 +5995,20 @@
               <a:rPr lang="en-US" dirty="0" smtClean="0"/>
               <a:t>(index)</a:t>
             </a:r>
+            <a:endParaRPr lang="en-US" dirty="0" smtClean="0"/>
+          </a:p>
+          <a:p>
+            <a:endParaRPr lang="en-US" altLang="zh-CN" dirty="0" smtClean="0"/>
+          </a:p>
+          <a:p>
+            <a:r>
+              <a:rPr lang="en-US" altLang="zh-CN" dirty="0" smtClean="0"/>
+              <a:t>//index </a:t>
+            </a:r>
+            <a:r>
+              <a:rPr lang="zh-CN" altLang="en-US" dirty="0" smtClean="0"/>
+              <a:t>行序号</a:t>
+            </a:r>
             <a:endParaRPr lang="zh-CN" altLang="en-US" dirty="0"/>
           </a:p>
         </p:txBody>
@@ -6119,7 +6030,7 @@
           <a:p>
             <a:r>
               <a:rPr lang="zh-CN" altLang="en-US" dirty="0" smtClean="0"/>
-              <a:t>主表选中某一行</a:t>
+              <a:t>获得指定行数据</a:t>
             </a:r>
             <a:endParaRPr lang="zh-CN" altLang="en-US" dirty="0"/>
           </a:p>
@@ -6167,82 +6078,30 @@
           <a:p>
             <a:r>
               <a:rPr lang="en-US" dirty="0" err="1" smtClean="0"/>
-              <a:t>grid.updateRow</a:t>
-            </a:r>
-            <a:r>
-              <a:rPr lang="en-US" dirty="0" smtClean="0"/>
-              <a:t> = </a:t>
-            </a:r>
-            <a:r>
-              <a:rPr lang="en-US" b="1" dirty="0" smtClean="0"/>
-              <a:t>function </a:t>
-            </a:r>
-            <a:r>
-              <a:rPr lang="en-US" dirty="0" smtClean="0"/>
-              <a:t>(index, </a:t>
-            </a:r>
-            <a:r>
-              <a:rPr lang="en-US" dirty="0" err="1" smtClean="0"/>
-              <a:t>newData</a:t>
-            </a:r>
-            <a:r>
-              <a:rPr lang="en-US" dirty="0" smtClean="0"/>
-              <a:t>)</a:t>
-            </a:r>
-          </a:p>
-          <a:p>
-            <a:endParaRPr lang="en-US" altLang="zh-CN" dirty="0" smtClean="0"/>
-          </a:p>
-          <a:p>
-            <a:r>
-              <a:rPr lang="en-US" altLang="zh-CN" dirty="0" smtClean="0"/>
-              <a:t>//index </a:t>
-            </a:r>
+              <a:t>grid.unCheckAll</a:t>
+            </a:r>
+            <a:endParaRPr lang="zh-CN" altLang="en-US" dirty="0"/>
+          </a:p>
+        </p:txBody>
+      </p:sp>
+      <p:sp>
+        <p:nvSpPr>
+          <p:cNvPr id="3" name="标题 2"/>
+          <p:cNvSpPr>
+            <a:spLocks noGrp="1"/>
+          </p:cNvSpPr>
+          <p:nvPr>
+            <p:ph type="title"/>
+          </p:nvPr>
+        </p:nvSpPr>
+        <p:spPr/>
+        <p:txBody>
+          <a:bodyPr/>
+          <a:lstStyle/>
+          <a:p>
             <a:r>
               <a:rPr lang="zh-CN" altLang="en-US" dirty="0" smtClean="0"/>
-              <a:t>行序号</a:t>
-            </a:r>
-            <a:endParaRPr lang="en-US" altLang="zh-CN" dirty="0" smtClean="0"/>
-          </a:p>
-          <a:p>
-            <a:r>
-              <a:rPr lang="en-US" altLang="zh-CN" dirty="0" smtClean="0"/>
-              <a:t>//</a:t>
-            </a:r>
-            <a:r>
-              <a:rPr lang="en-US" altLang="zh-CN" dirty="0" err="1" smtClean="0"/>
-              <a:t>newData</a:t>
-            </a:r>
-            <a:r>
-              <a:rPr lang="en-US" altLang="zh-CN" dirty="0" smtClean="0"/>
-              <a:t> </a:t>
-            </a:r>
-            <a:r>
-              <a:rPr lang="zh-CN" altLang="en-US" dirty="0" smtClean="0"/>
-              <a:t>新数据</a:t>
-            </a:r>
-            <a:endParaRPr lang="zh-CN" altLang="en-US" dirty="0"/>
-          </a:p>
-        </p:txBody>
-      </p:sp>
-      <p:sp>
-        <p:nvSpPr>
-          <p:cNvPr id="3" name="标题 2"/>
-          <p:cNvSpPr>
-            <a:spLocks noGrp="1"/>
-          </p:cNvSpPr>
-          <p:nvPr>
-            <p:ph type="title"/>
-          </p:nvPr>
-        </p:nvSpPr>
-        <p:spPr/>
-        <p:txBody>
-          <a:bodyPr/>
-          <a:lstStyle/>
-          <a:p>
-            <a:r>
-              <a:rPr lang="zh-CN" altLang="en-US" dirty="0" smtClean="0"/>
-              <a:t>更新某一行数据</a:t>
+              <a:t>主表全部不选</a:t>
             </a:r>
             <a:endParaRPr lang="zh-CN" altLang="en-US" dirty="0"/>
           </a:p>
@@ -6290,7 +6149,19 @@
           <a:p>
             <a:r>
               <a:rPr lang="en-US" dirty="0" err="1" smtClean="0"/>
-              <a:t>grid.copySelection</a:t>
+              <a:t>grid.checkRow</a:t>
+            </a:r>
+            <a:r>
+              <a:rPr lang="en-US" dirty="0" smtClean="0"/>
+              <a:t> = </a:t>
+            </a:r>
+            <a:r>
+              <a:rPr lang="en-US" b="1" dirty="0" smtClean="0"/>
+              <a:t>function </a:t>
+            </a:r>
+            <a:r>
+              <a:rPr lang="en-US" dirty="0" smtClean="0"/>
+              <a:t>(index)</a:t>
             </a:r>
             <a:endParaRPr lang="zh-CN" altLang="en-US" dirty="0"/>
           </a:p>
@@ -6313,7 +6184,7 @@
           <a:p>
             <a:r>
               <a:rPr lang="zh-CN" altLang="en-US" dirty="0" smtClean="0"/>
-              <a:t>将选择的行复制到剪切板</a:t>
+              <a:t>主表选中某一行</a:t>
             </a:r>
             <a:endParaRPr lang="zh-CN" altLang="en-US" dirty="0"/>
           </a:p>
@@ -6361,7 +6232,60 @@
           <a:p>
             <a:r>
               <a:rPr lang="en-US" dirty="0" err="1" smtClean="0"/>
-              <a:t>grid.exportColExcel</a:t>
+              <a:t>grid.updateRow</a:t>
+            </a:r>
+            <a:r>
+              <a:rPr lang="en-US" dirty="0" smtClean="0"/>
+              <a:t> = </a:t>
+            </a:r>
+            <a:r>
+              <a:rPr lang="en-US" b="1" dirty="0" smtClean="0"/>
+              <a:t>function </a:t>
+            </a:r>
+            <a:r>
+              <a:rPr lang="en-US" dirty="0" smtClean="0"/>
+              <a:t>(index, </a:t>
+            </a:r>
+            <a:r>
+              <a:rPr lang="en-US" dirty="0" err="1" smtClean="0"/>
+              <a:t>newData</a:t>
+            </a:r>
+            <a:r>
+              <a:rPr lang="en-US" dirty="0" smtClean="0"/>
+              <a:t>)</a:t>
+            </a:r>
+            <a:endParaRPr lang="en-US" dirty="0" smtClean="0"/>
+          </a:p>
+          <a:p>
+            <a:endParaRPr lang="en-US" altLang="zh-CN" dirty="0" smtClean="0"/>
+          </a:p>
+          <a:p>
+            <a:r>
+              <a:rPr lang="en-US" altLang="zh-CN" dirty="0" smtClean="0"/>
+              <a:t>//index </a:t>
+            </a:r>
+            <a:r>
+              <a:rPr lang="zh-CN" altLang="en-US" dirty="0" smtClean="0"/>
+              <a:t>行序号</a:t>
+            </a:r>
+            <a:endParaRPr lang="en-US" altLang="zh-CN" dirty="0" smtClean="0"/>
+          </a:p>
+          <a:p>
+            <a:r>
+              <a:rPr lang="en-US" altLang="zh-CN" dirty="0" smtClean="0"/>
+              <a:t>//</a:t>
+            </a:r>
+            <a:r>
+              <a:rPr lang="en-US" altLang="zh-CN" dirty="0" err="1" smtClean="0"/>
+              <a:t>newData</a:t>
+            </a:r>
+            <a:r>
+              <a:rPr lang="en-US" altLang="zh-CN" dirty="0" smtClean="0"/>
+              <a:t> </a:t>
+            </a:r>
+            <a:r>
+              <a:rPr lang="zh-CN" altLang="en-US" dirty="0" smtClean="0"/>
+              <a:t>新数据</a:t>
             </a:r>
             <a:endParaRPr lang="zh-CN" altLang="en-US" dirty="0"/>
           </a:p>
@@ -6384,11 +6308,7 @@
           <a:p>
             <a:r>
               <a:rPr lang="zh-CN" altLang="en-US" dirty="0" smtClean="0"/>
-              <a:t>导出当前页数据到</a:t>
-            </a:r>
-            <a:r>
-              <a:rPr lang="en-US" altLang="zh-CN" dirty="0" smtClean="0"/>
-              <a:t>EXCEL</a:t>
+              <a:t>更新某一行数据</a:t>
             </a:r>
             <a:endParaRPr lang="zh-CN" altLang="en-US" dirty="0"/>
           </a:p>
@@ -6436,7 +6356,7 @@
           <a:p>
             <a:r>
               <a:rPr lang="en-US" dirty="0" err="1" smtClean="0"/>
-              <a:t>grid.showHeaderMenu</a:t>
+              <a:t>grid.copySelection</a:t>
             </a:r>
             <a:endParaRPr lang="zh-CN" altLang="en-US" dirty="0"/>
           </a:p>
@@ -6458,8 +6378,8 @@
           <a:lstStyle/>
           <a:p>
             <a:r>
-              <a:rPr lang="zh-CN" altLang="en-US" b="0" dirty="0" smtClean="0"/>
-              <a:t>显示列菜单</a:t>
+              <a:rPr lang="zh-CN" altLang="en-US" dirty="0" smtClean="0"/>
+              <a:t>将选择的行复制到剪切板</a:t>
             </a:r>
             <a:endParaRPr lang="zh-CN" altLang="en-US" dirty="0"/>
           </a:p>
@@ -6507,7 +6427,7 @@
           <a:p>
             <a:r>
               <a:rPr lang="en-US" dirty="0" err="1" smtClean="0"/>
-              <a:t>grid.clearAllFilter</a:t>
+              <a:t>grid.exportColExcel</a:t>
             </a:r>
             <a:endParaRPr lang="zh-CN" altLang="en-US" dirty="0"/>
           </a:p>
@@ -6530,7 +6450,11 @@
           <a:p>
             <a:r>
               <a:rPr lang="zh-CN" altLang="en-US" dirty="0" smtClean="0"/>
-              <a:t>清除筛选</a:t>
+              <a:t>导出当前页数据到</a:t>
+            </a:r>
+            <a:r>
+              <a:rPr lang="en-US" altLang="zh-CN" dirty="0" smtClean="0"/>
+              <a:t>EXCEL</a:t>
             </a:r>
             <a:endParaRPr lang="zh-CN" altLang="en-US" dirty="0"/>
           </a:p>
@@ -6578,7 +6502,7 @@
           <a:p>
             <a:r>
               <a:rPr lang="en-US" dirty="0" err="1" smtClean="0"/>
-              <a:t>grid.destroyAllFilter</a:t>
+              <a:t>grid.showHeaderMenu</a:t>
             </a:r>
             <a:endParaRPr lang="zh-CN" altLang="en-US" dirty="0"/>
           </a:p>
@@ -6600,8 +6524,8 @@
           <a:lstStyle/>
           <a:p>
             <a:r>
-              <a:rPr lang="zh-CN" altLang="en-US" dirty="0" smtClean="0"/>
-              <a:t>破坏筛选</a:t>
+              <a:rPr lang="zh-CN" altLang="en-US" b="0" dirty="0" smtClean="0"/>
+              <a:t>显示列菜单</a:t>
             </a:r>
             <a:endParaRPr lang="zh-CN" altLang="en-US" dirty="0"/>
           </a:p>
@@ -6649,7 +6573,7 @@
           <a:p>
             <a:r>
               <a:rPr lang="en-US" dirty="0" err="1" smtClean="0"/>
-              <a:t>grid.getAfterFilterNode</a:t>
+              <a:t>grid.clearAllFilter</a:t>
             </a:r>
             <a:endParaRPr lang="zh-CN" altLang="en-US" dirty="0"/>
           </a:p>
@@ -6672,7 +6596,7 @@
           <a:p>
             <a:r>
               <a:rPr lang="zh-CN" altLang="en-US" dirty="0" smtClean="0"/>
-              <a:t>获取筛选的数据</a:t>
+              <a:t>清除筛选</a:t>
             </a:r>
             <a:endParaRPr lang="zh-CN" altLang="en-US" dirty="0"/>
           </a:p>
@@ -6965,7 +6889,7 @@
           <a:p>
             <a:r>
               <a:rPr lang="en-US" dirty="0" err="1" smtClean="0"/>
-              <a:t>grid.clearAllSort</a:t>
+              <a:t>grid.destroyAllFilter</a:t>
             </a:r>
             <a:endParaRPr lang="zh-CN" altLang="en-US" dirty="0"/>
           </a:p>
@@ -6988,7 +6912,7 @@
           <a:p>
             <a:r>
               <a:rPr lang="zh-CN" altLang="en-US" dirty="0" smtClean="0"/>
-              <a:t>清除当前页排序</a:t>
+              <a:t>破坏筛选</a:t>
             </a:r>
             <a:endParaRPr lang="zh-CN" altLang="en-US" dirty="0"/>
           </a:p>
@@ -7036,55 +6960,30 @@
           <a:p>
             <a:r>
               <a:rPr lang="en-US" dirty="0" err="1" smtClean="0"/>
-              <a:t>grid.sortCols</a:t>
-            </a:r>
-            <a:r>
-              <a:rPr lang="en-US" dirty="0" smtClean="0"/>
-              <a:t> = </a:t>
-            </a:r>
-            <a:r>
-              <a:rPr lang="en-US" b="1" dirty="0" smtClean="0"/>
-              <a:t>function </a:t>
-            </a:r>
-            <a:r>
-              <a:rPr lang="en-US" dirty="0" smtClean="0"/>
-              <a:t>(field)</a:t>
-            </a:r>
-          </a:p>
-          <a:p>
-            <a:endParaRPr lang="en-US" altLang="zh-CN" dirty="0" smtClean="0"/>
-          </a:p>
-          <a:p>
-            <a:r>
-              <a:rPr lang="en-US" altLang="zh-CN" dirty="0" smtClean="0"/>
-              <a:t>//field </a:t>
-            </a:r>
+              <a:t>grid.getAfterFilterNode</a:t>
+            </a:r>
+            <a:endParaRPr lang="zh-CN" altLang="en-US" dirty="0"/>
+          </a:p>
+        </p:txBody>
+      </p:sp>
+      <p:sp>
+        <p:nvSpPr>
+          <p:cNvPr id="3" name="标题 2"/>
+          <p:cNvSpPr>
+            <a:spLocks noGrp="1"/>
+          </p:cNvSpPr>
+          <p:nvPr>
+            <p:ph type="title"/>
+          </p:nvPr>
+        </p:nvSpPr>
+        <p:spPr/>
+        <p:txBody>
+          <a:bodyPr/>
+          <a:lstStyle/>
+          <a:p>
             <a:r>
               <a:rPr lang="zh-CN" altLang="en-US" dirty="0" smtClean="0"/>
-              <a:t>字段名</a:t>
-            </a:r>
-            <a:endParaRPr lang="zh-CN" altLang="en-US" dirty="0"/>
-          </a:p>
-        </p:txBody>
-      </p:sp>
-      <p:sp>
-        <p:nvSpPr>
-          <p:cNvPr id="3" name="标题 2"/>
-          <p:cNvSpPr>
-            <a:spLocks noGrp="1"/>
-          </p:cNvSpPr>
-          <p:nvPr>
-            <p:ph type="title"/>
-          </p:nvPr>
-        </p:nvSpPr>
-        <p:spPr/>
-        <p:txBody>
-          <a:bodyPr/>
-          <a:lstStyle/>
-          <a:p>
-            <a:r>
-              <a:rPr lang="zh-CN" altLang="en-US" dirty="0" smtClean="0"/>
-              <a:t>按某个字段排序</a:t>
+              <a:t>获取筛选的数据</a:t>
             </a:r>
             <a:endParaRPr lang="zh-CN" altLang="en-US" dirty="0"/>
           </a:p>
@@ -7132,7 +7031,7 @@
           <a:p>
             <a:r>
               <a:rPr lang="en-US" dirty="0" err="1" smtClean="0"/>
-              <a:t>grid.getRenderTime</a:t>
+              <a:t>grid.clearAllSort</a:t>
             </a:r>
             <a:endParaRPr lang="zh-CN" altLang="en-US" dirty="0"/>
           </a:p>
@@ -7155,7 +7054,7 @@
           <a:p>
             <a:r>
               <a:rPr lang="zh-CN" altLang="en-US" dirty="0" smtClean="0"/>
-              <a:t>获取渲染时间</a:t>
+              <a:t>清除当前页排序</a:t>
             </a:r>
             <a:endParaRPr lang="zh-CN" altLang="en-US" dirty="0"/>
           </a:p>
@@ -7203,7 +7102,33 @@
           <a:p>
             <a:r>
               <a:rPr lang="en-US" dirty="0" err="1" smtClean="0"/>
-              <a:t>grid.keyDownEvent</a:t>
+              <a:t>grid.sortCols</a:t>
+            </a:r>
+            <a:r>
+              <a:rPr lang="en-US" dirty="0" smtClean="0"/>
+              <a:t> = </a:t>
+            </a:r>
+            <a:r>
+              <a:rPr lang="en-US" b="1" dirty="0" smtClean="0"/>
+              <a:t>function </a:t>
+            </a:r>
+            <a:r>
+              <a:rPr lang="en-US" dirty="0" smtClean="0"/>
+              <a:t>(field)</a:t>
+            </a:r>
+            <a:endParaRPr lang="en-US" dirty="0" smtClean="0"/>
+          </a:p>
+          <a:p>
+            <a:endParaRPr lang="en-US" altLang="zh-CN" dirty="0" smtClean="0"/>
+          </a:p>
+          <a:p>
+            <a:r>
+              <a:rPr lang="en-US" altLang="zh-CN" dirty="0" smtClean="0"/>
+              <a:t>//field </a:t>
+            </a:r>
+            <a:r>
+              <a:rPr lang="zh-CN" altLang="en-US" dirty="0" smtClean="0"/>
+              <a:t>字段名</a:t>
             </a:r>
             <a:endParaRPr lang="zh-CN" altLang="en-US" dirty="0"/>
           </a:p>
@@ -7226,7 +7151,7 @@
           <a:p>
             <a:r>
               <a:rPr lang="zh-CN" altLang="en-US" dirty="0" smtClean="0"/>
-              <a:t>键盘按下事件</a:t>
+              <a:t>按某个字段排序</a:t>
             </a:r>
             <a:endParaRPr lang="zh-CN" altLang="en-US" dirty="0"/>
           </a:p>
@@ -7274,7 +7199,7 @@
           <a:p>
             <a:r>
               <a:rPr lang="en-US" dirty="0" err="1" smtClean="0"/>
-              <a:t>grid.keyUpEvent</a:t>
+              <a:t>grid.getRenderTime</a:t>
             </a:r>
             <a:endParaRPr lang="zh-CN" altLang="en-US" dirty="0"/>
           </a:p>
@@ -7297,7 +7222,7 @@
           <a:p>
             <a:r>
               <a:rPr lang="zh-CN" altLang="en-US" dirty="0" smtClean="0"/>
-              <a:t>键盘弹起事件</a:t>
+              <a:t>获取渲染时间</a:t>
             </a:r>
             <a:endParaRPr lang="zh-CN" altLang="en-US" dirty="0"/>
           </a:p>
@@ -7345,7 +7270,7 @@
           <a:p>
             <a:r>
               <a:rPr lang="en-US" dirty="0" err="1" smtClean="0"/>
-              <a:t>grid.hoverAgGrid</a:t>
+              <a:t>grid.keyDownEvent</a:t>
             </a:r>
             <a:endParaRPr lang="zh-CN" altLang="en-US" dirty="0"/>
           </a:p>
@@ -7368,7 +7293,7 @@
           <a:p>
             <a:r>
               <a:rPr lang="zh-CN" altLang="en-US" dirty="0" smtClean="0"/>
-              <a:t>鼠标进入主表事件</a:t>
+              <a:t>键盘按下事件</a:t>
             </a:r>
             <a:endParaRPr lang="zh-CN" altLang="en-US" dirty="0"/>
           </a:p>
@@ -7416,7 +7341,7 @@
           <a:p>
             <a:r>
               <a:rPr lang="en-US" dirty="0" err="1" smtClean="0"/>
-              <a:t>grid.unHoverAgGrid</a:t>
+              <a:t>grid.keyUpEvent</a:t>
             </a:r>
             <a:endParaRPr lang="zh-CN" altLang="en-US" dirty="0"/>
           </a:p>
@@ -7439,7 +7364,7 @@
           <a:p>
             <a:r>
               <a:rPr lang="zh-CN" altLang="en-US" dirty="0" smtClean="0"/>
-              <a:t>鼠标离开主表事件</a:t>
+              <a:t>键盘弹起事件</a:t>
             </a:r>
             <a:endParaRPr lang="zh-CN" altLang="en-US" dirty="0"/>
           </a:p>
@@ -7487,7 +7412,7 @@
           <a:p>
             <a:r>
               <a:rPr lang="en-US" dirty="0" err="1" smtClean="0"/>
-              <a:t>grid.showFilterMenu</a:t>
+              <a:t>grid.hoverAgGrid</a:t>
             </a:r>
             <a:endParaRPr lang="zh-CN" altLang="en-US" dirty="0"/>
           </a:p>
@@ -7510,7 +7435,7 @@
           <a:p>
             <a:r>
               <a:rPr lang="zh-CN" altLang="en-US" dirty="0" smtClean="0"/>
-              <a:t>显示筛选菜单</a:t>
+              <a:t>鼠标进入主表事件</a:t>
             </a:r>
             <a:endParaRPr lang="zh-CN" altLang="en-US" dirty="0"/>
           </a:p>
@@ -7543,7 +7468,30 @@
       </p:grpSpPr>
       <p:sp>
         <p:nvSpPr>
-          <p:cNvPr id="2" name="标题 1"/>
+          <p:cNvPr id="2" name="内容占位符 1"/>
+          <p:cNvSpPr>
+            <a:spLocks noGrp="1"/>
+          </p:cNvSpPr>
+          <p:nvPr>
+            <p:ph idx="1"/>
+          </p:nvPr>
+        </p:nvSpPr>
+        <p:spPr/>
+        <p:txBody>
+          <a:bodyPr/>
+          <a:lstStyle/>
+          <a:p>
+            <a:r>
+              <a:rPr lang="en-US" dirty="0" err="1" smtClean="0"/>
+              <a:t>grid.unHoverAgGrid</a:t>
+            </a:r>
+            <a:endParaRPr lang="zh-CN" altLang="en-US" dirty="0"/>
+          </a:p>
+        </p:txBody>
+      </p:sp>
+      <p:sp>
+        <p:nvSpPr>
+          <p:cNvPr id="3" name="标题 2"/>
           <p:cNvSpPr>
             <a:spLocks noGrp="1"/>
           </p:cNvSpPr>
@@ -7558,7 +7506,78 @@
           <a:p>
             <a:r>
               <a:rPr lang="zh-CN" altLang="en-US" dirty="0" smtClean="0"/>
-              <a:t>未完待续。。。。。。</a:t>
+              <a:t>鼠标离开主表事件</a:t>
+            </a:r>
+            <a:endParaRPr lang="zh-CN" altLang="en-US" dirty="0"/>
+          </a:p>
+        </p:txBody>
+      </p:sp>
+    </p:spTree>
+  </p:cSld>
+  <p:clrMapOvr>
+    <a:masterClrMapping/>
+  </p:clrMapOvr>
+</p:sld>
+</file>
+
+<file path=ppt/slides/slide39.xml><?xml version="1.0" encoding="utf-8"?>
+<p:sld xmlns:a="http://schemas.openxmlformats.org/drawingml/2006/main" xmlns:r="http://schemas.openxmlformats.org/officeDocument/2006/relationships" xmlns:p="http://schemas.openxmlformats.org/presentationml/2006/main">
+  <p:cSld>
+    <p:spTree>
+      <p:nvGrpSpPr>
+        <p:cNvPr id="1" name=""/>
+        <p:cNvGrpSpPr/>
+        <p:nvPr/>
+      </p:nvGrpSpPr>
+      <p:grpSpPr>
+        <a:xfrm>
+          <a:off x="0" y="0"/>
+          <a:ext cx="0" cy="0"/>
+          <a:chOff x="0" y="0"/>
+          <a:chExt cx="0" cy="0"/>
+        </a:xfrm>
+      </p:grpSpPr>
+      <p:sp>
+        <p:nvSpPr>
+          <p:cNvPr id="2" name="内容占位符 1"/>
+          <p:cNvSpPr>
+            <a:spLocks noGrp="1"/>
+          </p:cNvSpPr>
+          <p:nvPr>
+            <p:ph idx="1"/>
+          </p:nvPr>
+        </p:nvSpPr>
+        <p:spPr/>
+        <p:txBody>
+          <a:bodyPr/>
+          <a:lstStyle/>
+          <a:p>
+            <a:r>
+              <a:rPr lang="en-US" dirty="0" err="1" smtClean="0"/>
+              <a:t>grid.showFilterMenu</a:t>
+            </a:r>
+            <a:endParaRPr lang="zh-CN" altLang="en-US" dirty="0"/>
+          </a:p>
+        </p:txBody>
+      </p:sp>
+      <p:sp>
+        <p:nvSpPr>
+          <p:cNvPr id="3" name="标题 2"/>
+          <p:cNvSpPr>
+            <a:spLocks noGrp="1"/>
+          </p:cNvSpPr>
+          <p:nvPr>
+            <p:ph type="title"/>
+          </p:nvPr>
+        </p:nvSpPr>
+        <p:spPr/>
+        <p:txBody>
+          <a:bodyPr/>
+          <a:lstStyle/>
+          <a:p>
+            <a:r>
+              <a:rPr lang="zh-CN" altLang="en-US" dirty="0" smtClean="0"/>
+              <a:t>显示筛选菜单</a:t>
             </a:r>
             <a:endParaRPr lang="zh-CN" altLang="en-US" dirty="0"/>
           </a:p>
@@ -7632,6 +7651,7 @@
               <a:rPr lang="en-US" dirty="0" smtClean="0"/>
               <a:t>)=&gt;{})</a:t>
             </a:r>
+            <a:endParaRPr lang="en-US" dirty="0" smtClean="0"/>
           </a:p>
           <a:p>
             <a:r>
@@ -7642,6 +7662,7 @@
               <a:rPr lang="en-US" dirty="0" smtClean="0"/>
               <a:t>{</a:t>
             </a:r>
+            <a:endParaRPr lang="en-US" dirty="0" smtClean="0"/>
           </a:p>
           <a:p>
             <a:r>
@@ -7749,6 +7770,54 @@
             <a:r>
               <a:rPr lang="zh-CN" altLang="en-US" dirty="0" smtClean="0"/>
               <a:t>查询成功后回调函数</a:t>
+            </a:r>
+            <a:endParaRPr lang="zh-CN" altLang="en-US" dirty="0"/>
+          </a:p>
+        </p:txBody>
+      </p:sp>
+    </p:spTree>
+  </p:cSld>
+  <p:clrMapOvr>
+    <a:masterClrMapping/>
+  </p:clrMapOvr>
+</p:sld>
+</file>
+
+<file path=ppt/slides/slide40.xml><?xml version="1.0" encoding="utf-8"?>
+<p:sld xmlns:a="http://schemas.openxmlformats.org/drawingml/2006/main" xmlns:r="http://schemas.openxmlformats.org/officeDocument/2006/relationships" xmlns:p="http://schemas.openxmlformats.org/presentationml/2006/main">
+  <p:cSld>
+    <p:spTree>
+      <p:nvGrpSpPr>
+        <p:cNvPr id="1" name=""/>
+        <p:cNvGrpSpPr/>
+        <p:nvPr/>
+      </p:nvGrpSpPr>
+      <p:grpSpPr>
+        <a:xfrm>
+          <a:off x="0" y="0"/>
+          <a:ext cx="0" cy="0"/>
+          <a:chOff x="0" y="0"/>
+          <a:chExt cx="0" cy="0"/>
+        </a:xfrm>
+      </p:grpSpPr>
+      <p:sp>
+        <p:nvSpPr>
+          <p:cNvPr id="2" name="标题 1"/>
+          <p:cNvSpPr>
+            <a:spLocks noGrp="1"/>
+          </p:cNvSpPr>
+          <p:nvPr>
+            <p:ph type="title"/>
+          </p:nvPr>
+        </p:nvSpPr>
+        <p:spPr/>
+        <p:txBody>
+          <a:bodyPr/>
+          <a:lstStyle/>
+          <a:p>
+            <a:r>
+              <a:rPr lang="zh-CN" altLang="en-US" dirty="0" smtClean="0"/>
+              <a:t>未完待续。。。。。。</a:t>
             </a:r>
             <a:endParaRPr lang="zh-CN" altLang="en-US" dirty="0"/>
           </a:p>
@@ -7818,6 +7887,7 @@
               <a:rPr lang="en-US" dirty="0" smtClean="0"/>
               <a:t>)</a:t>
             </a:r>
+            <a:endParaRPr lang="en-US" dirty="0" smtClean="0"/>
           </a:p>
           <a:p>
             <a:endParaRPr lang="en-US" altLang="zh-CN" dirty="0" smtClean="0"/>
@@ -8501,7 +8571,10 @@
       </a:bgFillStyleLst>
     </a:fmtScheme>
   </a:themeElements>
-  <a:objectDefaults/>
-  <a:extraClrSchemeLst/>
+  <a:extLst>
+    <a:ext uri="{05A4C25C-085E-4340-85A3-A5531E510DB2}">
+      <thm15:themeFamily xmlns:thm15="http://schemas.microsoft.com/office/thememl/2012/main" name="Office Theme" id="{62F939B6-93AF-4DB8-9C6B-D6C7DFDC589F}" vid="{4A3C46E8-61CC-4603-A589-7422A47A8E4A}"/>
+    </a:ext>
+  </a:extLst>
 </a:theme>
 </file>